--- a/plotly-dash-training/Python with Plotly and Dash.pptx
+++ b/plotly-dash-training/Python with Plotly and Dash.pptx
@@ -33,15 +33,18 @@
     <p:sldId id="278" r:id="rId28"/>
     <p:sldId id="279" r:id="rId29"/>
     <p:sldId id="280" r:id="rId30"/>
+    <p:sldId id="281" r:id="rId31"/>
+    <p:sldId id="282" r:id="rId32"/>
+    <p:sldId id="283" r:id="rId33"/>
   </p:sldIdLst>
   <p:sldSz cy="5143500" cx="9144000"/>
   <p:notesSz cx="6858000" cy="9144000"/>
   <p:embeddedFontLst>
     <p:embeddedFont>
       <p:font typeface="Old Standard TT"/>
-      <p:regular r:id="rId31"/>
-      <p:bold r:id="rId32"/>
-      <p:italic r:id="rId33"/>
+      <p:regular r:id="rId34"/>
+      <p:bold r:id="rId35"/>
+      <p:italic r:id="rId36"/>
     </p:embeddedFont>
   </p:embeddedFontLst>
   <p:defaultTextStyle>
@@ -1430,7 +1433,7 @@
       </p:grpSpPr>
       <p:sp>
         <p:nvSpPr>
-          <p:cNvPr id="147" name="Google Shape;147;gf74fd0d155_0_124:notes"/>
+          <p:cNvPr id="147" name="Google Shape;147;gf74fd0d155_0_147:notes"/>
           <p:cNvSpPr/>
           <p:nvPr>
             <p:ph idx="2" type="sldImg"/>
@@ -1465,7 +1468,7 @@
       </p:sp>
       <p:sp>
         <p:nvSpPr>
-          <p:cNvPr id="148" name="Google Shape;148;gf74fd0d155_0_124:notes"/>
+          <p:cNvPr id="148" name="Google Shape;148;gf74fd0d155_0_147:notes"/>
           <p:cNvSpPr txBox="1"/>
           <p:nvPr>
             <p:ph idx="1" type="body"/>
@@ -1515,7 +1518,7 @@
   <p:cSld>
     <p:spTree>
       <p:nvGrpSpPr>
-        <p:cNvPr id="152" name="Shape 152"/>
+        <p:cNvPr id="151" name="Shape 151"/>
         <p:cNvGrpSpPr/>
         <p:nvPr/>
       </p:nvGrpSpPr>
@@ -1529,7 +1532,7 @@
       </p:grpSpPr>
       <p:sp>
         <p:nvSpPr>
-          <p:cNvPr id="153" name="Google Shape;153;gf74fd0d155_0_130:notes"/>
+          <p:cNvPr id="152" name="Google Shape;152;gcb648c6578_0_0:notes"/>
           <p:cNvSpPr/>
           <p:nvPr>
             <p:ph idx="2" type="sldImg"/>
@@ -1564,7 +1567,7 @@
       </p:sp>
       <p:sp>
         <p:nvSpPr>
-          <p:cNvPr id="154" name="Google Shape;154;gf74fd0d155_0_130:notes"/>
+          <p:cNvPr id="153" name="Google Shape;153;gcb648c6578_0_0:notes"/>
           <p:cNvSpPr txBox="1"/>
           <p:nvPr>
             <p:ph idx="1" type="body"/>
@@ -1614,7 +1617,7 @@
   <p:cSld>
     <p:spTree>
       <p:nvGrpSpPr>
-        <p:cNvPr id="158" name="Shape 158"/>
+        <p:cNvPr id="157" name="Shape 157"/>
         <p:cNvGrpSpPr/>
         <p:nvPr/>
       </p:nvGrpSpPr>
@@ -1628,7 +1631,7 @@
       </p:grpSpPr>
       <p:sp>
         <p:nvSpPr>
-          <p:cNvPr id="159" name="Google Shape;159;gf74fd0d155_0_136:notes"/>
+          <p:cNvPr id="158" name="Google Shape;158;gf74fd0d155_0_124:notes"/>
           <p:cNvSpPr/>
           <p:nvPr>
             <p:ph idx="2" type="sldImg"/>
@@ -1663,7 +1666,7 @@
       </p:sp>
       <p:sp>
         <p:nvSpPr>
-          <p:cNvPr id="160" name="Google Shape;160;gf74fd0d155_0_136:notes"/>
+          <p:cNvPr id="159" name="Google Shape;159;gf74fd0d155_0_124:notes"/>
           <p:cNvSpPr txBox="1"/>
           <p:nvPr>
             <p:ph idx="1" type="body"/>
@@ -1713,7 +1716,7 @@
   <p:cSld>
     <p:spTree>
       <p:nvGrpSpPr>
-        <p:cNvPr id="164" name="Shape 164"/>
+        <p:cNvPr id="163" name="Shape 163"/>
         <p:cNvGrpSpPr/>
         <p:nvPr/>
       </p:nvGrpSpPr>
@@ -1727,7 +1730,7 @@
       </p:grpSpPr>
       <p:sp>
         <p:nvSpPr>
-          <p:cNvPr id="165" name="Google Shape;165;gf74fd0d155_0_142:notes"/>
+          <p:cNvPr id="164" name="Google Shape;164;gf74fd0d155_0_169:notes"/>
           <p:cNvSpPr/>
           <p:nvPr>
             <p:ph idx="2" type="sldImg"/>
@@ -1762,7 +1765,7 @@
       </p:sp>
       <p:sp>
         <p:nvSpPr>
-          <p:cNvPr id="166" name="Google Shape;166;gf74fd0d155_0_142:notes"/>
+          <p:cNvPr id="165" name="Google Shape;165;gf74fd0d155_0_169:notes"/>
           <p:cNvSpPr txBox="1"/>
           <p:nvPr>
             <p:ph idx="1" type="body"/>
@@ -1911,7 +1914,7 @@
   <p:cSld>
     <p:spTree>
       <p:nvGrpSpPr>
-        <p:cNvPr id="170" name="Shape 170"/>
+        <p:cNvPr id="169" name="Shape 169"/>
         <p:cNvGrpSpPr/>
         <p:nvPr/>
       </p:nvGrpSpPr>
@@ -1925,7 +1928,7 @@
       </p:grpSpPr>
       <p:sp>
         <p:nvSpPr>
-          <p:cNvPr id="171" name="Google Shape;171;gf74fd0d155_0_147:notes"/>
+          <p:cNvPr id="170" name="Google Shape;170;gf74fd0d155_0_158:notes"/>
           <p:cNvSpPr/>
           <p:nvPr>
             <p:ph idx="2" type="sldImg"/>
@@ -1960,7 +1963,7 @@
       </p:sp>
       <p:sp>
         <p:nvSpPr>
-          <p:cNvPr id="172" name="Google Shape;172;gf74fd0d155_0_147:notes"/>
+          <p:cNvPr id="171" name="Google Shape;171;gf74fd0d155_0_158:notes"/>
           <p:cNvSpPr txBox="1"/>
           <p:nvPr>
             <p:ph idx="1" type="body"/>
@@ -2024,7 +2027,7 @@
       </p:grpSpPr>
       <p:sp>
         <p:nvSpPr>
-          <p:cNvPr id="176" name="Google Shape;176;gf74fd0d155_0_152:notes"/>
+          <p:cNvPr id="176" name="Google Shape;176;gf74fd0d155_0_164:notes"/>
           <p:cNvSpPr/>
           <p:nvPr>
             <p:ph idx="2" type="sldImg"/>
@@ -2059,7 +2062,7 @@
       </p:sp>
       <p:sp>
         <p:nvSpPr>
-          <p:cNvPr id="177" name="Google Shape;177;gf74fd0d155_0_152:notes"/>
+          <p:cNvPr id="177" name="Google Shape;177;gf74fd0d155_0_164:notes"/>
           <p:cNvSpPr txBox="1"/>
           <p:nvPr>
             <p:ph idx="1" type="body"/>
@@ -2123,7 +2126,7 @@
       </p:grpSpPr>
       <p:sp>
         <p:nvSpPr>
-          <p:cNvPr id="182" name="Google Shape;182;gf74fd0d155_0_158:notes"/>
+          <p:cNvPr id="182" name="Google Shape;182;gf74fd0d155_0_130:notes"/>
           <p:cNvSpPr/>
           <p:nvPr>
             <p:ph idx="2" type="sldImg"/>
@@ -2158,7 +2161,7 @@
       </p:sp>
       <p:sp>
         <p:nvSpPr>
-          <p:cNvPr id="183" name="Google Shape;183;gf74fd0d155_0_158:notes"/>
+          <p:cNvPr id="183" name="Google Shape;183;gf74fd0d155_0_130:notes"/>
           <p:cNvSpPr txBox="1"/>
           <p:nvPr>
             <p:ph idx="1" type="body"/>
@@ -2222,7 +2225,7 @@
       </p:grpSpPr>
       <p:sp>
         <p:nvSpPr>
-          <p:cNvPr id="188" name="Google Shape;188;gf74fd0d155_0_164:notes"/>
+          <p:cNvPr id="188" name="Google Shape;188;gf74fd0d155_0_142:notes"/>
           <p:cNvSpPr/>
           <p:nvPr>
             <p:ph idx="2" type="sldImg"/>
@@ -2257,7 +2260,7 @@
       </p:sp>
       <p:sp>
         <p:nvSpPr>
-          <p:cNvPr id="189" name="Google Shape;189;gf74fd0d155_0_164:notes"/>
+          <p:cNvPr id="189" name="Google Shape;189;gf74fd0d155_0_142:notes"/>
           <p:cNvSpPr txBox="1"/>
           <p:nvPr>
             <p:ph idx="1" type="body"/>
@@ -2321,7 +2324,7 @@
       </p:grpSpPr>
       <p:sp>
         <p:nvSpPr>
-          <p:cNvPr id="194" name="Google Shape;194;gf74fd0d155_0_169:notes"/>
+          <p:cNvPr id="194" name="Google Shape;194;gf74fd0d155_0_136:notes"/>
           <p:cNvSpPr/>
           <p:nvPr>
             <p:ph idx="2" type="sldImg"/>
@@ -2356,7 +2359,7 @@
       </p:sp>
       <p:sp>
         <p:nvSpPr>
-          <p:cNvPr id="195" name="Google Shape;195;gf74fd0d155_0_169:notes"/>
+          <p:cNvPr id="195" name="Google Shape;195;gf74fd0d155_0_136:notes"/>
           <p:cNvSpPr txBox="1"/>
           <p:nvPr>
             <p:ph idx="1" type="body"/>
@@ -2456,6 +2459,303 @@
       <p:sp>
         <p:nvSpPr>
           <p:cNvPr id="201" name="Google Shape;201;gf74fd0d155_0_174:notes"/>
+          <p:cNvSpPr txBox="1"/>
+          <p:nvPr>
+            <p:ph idx="1" type="body"/>
+          </p:nvPr>
+        </p:nvSpPr>
+        <p:spPr>
+          <a:xfrm>
+            <a:off x="685800" y="4343400"/>
+            <a:ext cx="5486400" cy="4114800"/>
+          </a:xfrm>
+          <a:prstGeom prst="rect">
+            <a:avLst/>
+          </a:prstGeom>
+        </p:spPr>
+        <p:txBody>
+          <a:bodyPr anchorCtr="0" anchor="t" bIns="91425" lIns="91425" spcFirstLastPara="1" rIns="91425" wrap="square" tIns="91425">
+            <a:noAutofit/>
+          </a:bodyPr>
+          <a:lstStyle/>
+          <a:p>
+            <a:pPr indent="0" lvl="0" marL="0" rtl="0" algn="l">
+              <a:spcBef>
+                <a:spcPts val="0"/>
+              </a:spcBef>
+              <a:spcAft>
+                <a:spcPts val="0"/>
+              </a:spcAft>
+              <a:buNone/>
+            </a:pPr>
+            <a:r>
+              <a:t/>
+            </a:r>
+            <a:endParaRPr/>
+          </a:p>
+        </p:txBody>
+      </p:sp>
+    </p:spTree>
+  </p:cSld>
+  <p:clrMapOvr>
+    <a:masterClrMapping/>
+  </p:clrMapOvr>
+</p:notes>
+</file>
+
+<file path=ppt/notesSlides/notesSlide26.xml><?xml version="1.0" encoding="utf-8"?>
+<p:notes xmlns:a="http://schemas.openxmlformats.org/drawingml/2006/main" xmlns:r="http://schemas.openxmlformats.org/officeDocument/2006/relationships" xmlns:mc="http://schemas.openxmlformats.org/markup-compatibility/2006" xmlns:mv="urn:schemas-microsoft-com:mac:vml" xmlns:p="http://schemas.openxmlformats.org/presentationml/2006/main" xmlns:c="http://schemas.openxmlformats.org/drawingml/2006/chart" xmlns:dgm="http://schemas.openxmlformats.org/drawingml/2006/diagram" xmlns:o="urn:schemas-microsoft-com:office:office" xmlns:v="urn:schemas-microsoft-com:vml" xmlns:pvml="urn:schemas-microsoft-com:office:powerpoint" xmlns:com="http://schemas.openxmlformats.org/drawingml/2006/compatibility" xmlns:p14="http://schemas.microsoft.com/office/powerpoint/2010/main" xmlns:p15="http://schemas.microsoft.com/office/powerpoint/2012/main" xmlns:ahyp="http://schemas.microsoft.com/office/drawing/2018/hyperlinkcolor" showMasterPhAnim="0" showMasterSp="0">
+  <p:cSld>
+    <p:spTree>
+      <p:nvGrpSpPr>
+        <p:cNvPr id="205" name="Shape 205"/>
+        <p:cNvGrpSpPr/>
+        <p:nvPr/>
+      </p:nvGrpSpPr>
+      <p:grpSpPr>
+        <a:xfrm>
+          <a:off x="0" y="0"/>
+          <a:ext cx="0" cy="0"/>
+          <a:chOff x="0" y="0"/>
+          <a:chExt cx="0" cy="0"/>
+        </a:xfrm>
+      </p:grpSpPr>
+      <p:sp>
+        <p:nvSpPr>
+          <p:cNvPr id="206" name="Google Shape;206;gf74fd0d155_0_152:notes"/>
+          <p:cNvSpPr/>
+          <p:nvPr>
+            <p:ph idx="2" type="sldImg"/>
+          </p:nvPr>
+        </p:nvSpPr>
+        <p:spPr>
+          <a:xfrm>
+            <a:off x="381300" y="685800"/>
+            <a:ext cx="6096000" cy="3429000"/>
+          </a:xfrm>
+          <a:custGeom>
+            <a:rect b="b" l="l" r="r" t="t"/>
+            <a:pathLst>
+              <a:path extrusionOk="0" h="120000" w="120000">
+                <a:moveTo>
+                  <a:pt x="0" y="0"/>
+                </a:moveTo>
+                <a:lnTo>
+                  <a:pt x="120000" y="0"/>
+                </a:lnTo>
+                <a:lnTo>
+                  <a:pt x="120000" y="120000"/>
+                </a:lnTo>
+                <a:lnTo>
+                  <a:pt x="0" y="120000"/>
+                </a:lnTo>
+                <a:close/>
+              </a:path>
+            </a:pathLst>
+          </a:custGeom>
+        </p:spPr>
+      </p:sp>
+      <p:sp>
+        <p:nvSpPr>
+          <p:cNvPr id="207" name="Google Shape;207;gf74fd0d155_0_152:notes"/>
+          <p:cNvSpPr txBox="1"/>
+          <p:nvPr>
+            <p:ph idx="1" type="body"/>
+          </p:nvPr>
+        </p:nvSpPr>
+        <p:spPr>
+          <a:xfrm>
+            <a:off x="685800" y="4343400"/>
+            <a:ext cx="5486400" cy="4114800"/>
+          </a:xfrm>
+          <a:prstGeom prst="rect">
+            <a:avLst/>
+          </a:prstGeom>
+        </p:spPr>
+        <p:txBody>
+          <a:bodyPr anchorCtr="0" anchor="t" bIns="91425" lIns="91425" spcFirstLastPara="1" rIns="91425" wrap="square" tIns="91425">
+            <a:noAutofit/>
+          </a:bodyPr>
+          <a:lstStyle/>
+          <a:p>
+            <a:pPr indent="0" lvl="0" marL="0" rtl="0" algn="l">
+              <a:spcBef>
+                <a:spcPts val="0"/>
+              </a:spcBef>
+              <a:spcAft>
+                <a:spcPts val="0"/>
+              </a:spcAft>
+              <a:buNone/>
+            </a:pPr>
+            <a:r>
+              <a:t/>
+            </a:r>
+            <a:endParaRPr/>
+          </a:p>
+        </p:txBody>
+      </p:sp>
+    </p:spTree>
+  </p:cSld>
+  <p:clrMapOvr>
+    <a:masterClrMapping/>
+  </p:clrMapOvr>
+</p:notes>
+</file>
+
+<file path=ppt/notesSlides/notesSlide27.xml><?xml version="1.0" encoding="utf-8"?>
+<p:notes xmlns:a="http://schemas.openxmlformats.org/drawingml/2006/main" xmlns:r="http://schemas.openxmlformats.org/officeDocument/2006/relationships" xmlns:mc="http://schemas.openxmlformats.org/markup-compatibility/2006" xmlns:mv="urn:schemas-microsoft-com:mac:vml" xmlns:p="http://schemas.openxmlformats.org/presentationml/2006/main" xmlns:c="http://schemas.openxmlformats.org/drawingml/2006/chart" xmlns:dgm="http://schemas.openxmlformats.org/drawingml/2006/diagram" xmlns:o="urn:schemas-microsoft-com:office:office" xmlns:v="urn:schemas-microsoft-com:vml" xmlns:pvml="urn:schemas-microsoft-com:office:powerpoint" xmlns:com="http://schemas.openxmlformats.org/drawingml/2006/compatibility" xmlns:p14="http://schemas.microsoft.com/office/powerpoint/2010/main" xmlns:p15="http://schemas.microsoft.com/office/powerpoint/2012/main" xmlns:ahyp="http://schemas.microsoft.com/office/drawing/2018/hyperlinkcolor" showMasterPhAnim="0" showMasterSp="0">
+  <p:cSld>
+    <p:spTree>
+      <p:nvGrpSpPr>
+        <p:cNvPr id="211" name="Shape 211"/>
+        <p:cNvGrpSpPr/>
+        <p:nvPr/>
+      </p:nvGrpSpPr>
+      <p:grpSpPr>
+        <a:xfrm>
+          <a:off x="0" y="0"/>
+          <a:ext cx="0" cy="0"/>
+          <a:chOff x="0" y="0"/>
+          <a:chExt cx="0" cy="0"/>
+        </a:xfrm>
+      </p:grpSpPr>
+      <p:sp>
+        <p:nvSpPr>
+          <p:cNvPr id="212" name="Google Shape;212;gcb648c6578_0_15:notes"/>
+          <p:cNvSpPr/>
+          <p:nvPr>
+            <p:ph idx="2" type="sldImg"/>
+          </p:nvPr>
+        </p:nvSpPr>
+        <p:spPr>
+          <a:xfrm>
+            <a:off x="381300" y="685800"/>
+            <a:ext cx="6096000" cy="3429000"/>
+          </a:xfrm>
+          <a:custGeom>
+            <a:rect b="b" l="l" r="r" t="t"/>
+            <a:pathLst>
+              <a:path extrusionOk="0" h="120000" w="120000">
+                <a:moveTo>
+                  <a:pt x="0" y="0"/>
+                </a:moveTo>
+                <a:lnTo>
+                  <a:pt x="120000" y="0"/>
+                </a:lnTo>
+                <a:lnTo>
+                  <a:pt x="120000" y="120000"/>
+                </a:lnTo>
+                <a:lnTo>
+                  <a:pt x="0" y="120000"/>
+                </a:lnTo>
+                <a:close/>
+              </a:path>
+            </a:pathLst>
+          </a:custGeom>
+        </p:spPr>
+      </p:sp>
+      <p:sp>
+        <p:nvSpPr>
+          <p:cNvPr id="213" name="Google Shape;213;gcb648c6578_0_15:notes"/>
+          <p:cNvSpPr txBox="1"/>
+          <p:nvPr>
+            <p:ph idx="1" type="body"/>
+          </p:nvPr>
+        </p:nvSpPr>
+        <p:spPr>
+          <a:xfrm>
+            <a:off x="685800" y="4343400"/>
+            <a:ext cx="5486400" cy="4114800"/>
+          </a:xfrm>
+          <a:prstGeom prst="rect">
+            <a:avLst/>
+          </a:prstGeom>
+        </p:spPr>
+        <p:txBody>
+          <a:bodyPr anchorCtr="0" anchor="t" bIns="91425" lIns="91425" spcFirstLastPara="1" rIns="91425" wrap="square" tIns="91425">
+            <a:noAutofit/>
+          </a:bodyPr>
+          <a:lstStyle/>
+          <a:p>
+            <a:pPr indent="0" lvl="0" marL="0" rtl="0" algn="l">
+              <a:spcBef>
+                <a:spcPts val="0"/>
+              </a:spcBef>
+              <a:spcAft>
+                <a:spcPts val="0"/>
+              </a:spcAft>
+              <a:buNone/>
+            </a:pPr>
+            <a:r>
+              <a:t/>
+            </a:r>
+            <a:endParaRPr/>
+          </a:p>
+        </p:txBody>
+      </p:sp>
+    </p:spTree>
+  </p:cSld>
+  <p:clrMapOvr>
+    <a:masterClrMapping/>
+  </p:clrMapOvr>
+</p:notes>
+</file>
+
+<file path=ppt/notesSlides/notesSlide28.xml><?xml version="1.0" encoding="utf-8"?>
+<p:notes xmlns:a="http://schemas.openxmlformats.org/drawingml/2006/main" xmlns:r="http://schemas.openxmlformats.org/officeDocument/2006/relationships" xmlns:mc="http://schemas.openxmlformats.org/markup-compatibility/2006" xmlns:mv="urn:schemas-microsoft-com:mac:vml" xmlns:p="http://schemas.openxmlformats.org/presentationml/2006/main" xmlns:c="http://schemas.openxmlformats.org/drawingml/2006/chart" xmlns:dgm="http://schemas.openxmlformats.org/drawingml/2006/diagram" xmlns:o="urn:schemas-microsoft-com:office:office" xmlns:v="urn:schemas-microsoft-com:vml" xmlns:pvml="urn:schemas-microsoft-com:office:powerpoint" xmlns:com="http://schemas.openxmlformats.org/drawingml/2006/compatibility" xmlns:p14="http://schemas.microsoft.com/office/powerpoint/2010/main" xmlns:p15="http://schemas.microsoft.com/office/powerpoint/2012/main" xmlns:ahyp="http://schemas.microsoft.com/office/drawing/2018/hyperlinkcolor" showMasterPhAnim="0" showMasterSp="0">
+  <p:cSld>
+    <p:spTree>
+      <p:nvGrpSpPr>
+        <p:cNvPr id="217" name="Shape 217"/>
+        <p:cNvGrpSpPr/>
+        <p:nvPr/>
+      </p:nvGrpSpPr>
+      <p:grpSpPr>
+        <a:xfrm>
+          <a:off x="0" y="0"/>
+          <a:ext cx="0" cy="0"/>
+          <a:chOff x="0" y="0"/>
+          <a:chExt cx="0" cy="0"/>
+        </a:xfrm>
+      </p:grpSpPr>
+      <p:sp>
+        <p:nvSpPr>
+          <p:cNvPr id="218" name="Google Shape;218;gcb648c6578_0_23:notes"/>
+          <p:cNvSpPr/>
+          <p:nvPr>
+            <p:ph idx="2" type="sldImg"/>
+          </p:nvPr>
+        </p:nvSpPr>
+        <p:spPr>
+          <a:xfrm>
+            <a:off x="381300" y="685800"/>
+            <a:ext cx="6096000" cy="3429000"/>
+          </a:xfrm>
+          <a:custGeom>
+            <a:rect b="b" l="l" r="r" t="t"/>
+            <a:pathLst>
+              <a:path extrusionOk="0" h="120000" w="120000">
+                <a:moveTo>
+                  <a:pt x="0" y="0"/>
+                </a:moveTo>
+                <a:lnTo>
+                  <a:pt x="120000" y="0"/>
+                </a:lnTo>
+                <a:lnTo>
+                  <a:pt x="120000" y="120000"/>
+                </a:lnTo>
+                <a:lnTo>
+                  <a:pt x="0" y="120000"/>
+                </a:lnTo>
+                <a:close/>
+              </a:path>
+            </a:pathLst>
+          </a:custGeom>
+        </p:spPr>
+      </p:sp>
+      <p:sp>
+        <p:nvSpPr>
+          <p:cNvPr id="219" name="Google Shape;219;gcb648c6578_0_23:notes"/>
           <p:cNvSpPr txBox="1"/>
           <p:nvPr>
             <p:ph idx="1" type="body"/>
@@ -10274,60 +10574,20 @@
           <p:cNvPr id="150" name="Google Shape;150;p28"/>
           <p:cNvSpPr txBox="1"/>
           <p:nvPr>
-            <p:ph type="title"/>
+            <p:ph idx="1" type="body"/>
           </p:nvPr>
         </p:nvSpPr>
         <p:spPr>
           <a:xfrm>
-            <a:off x="311700" y="445025"/>
-            <a:ext cx="8520600" cy="613200"/>
+            <a:off x="3026325" y="2104250"/>
+            <a:ext cx="5998800" cy="605100"/>
           </a:xfrm>
           <a:prstGeom prst="rect">
             <a:avLst/>
           </a:prstGeom>
         </p:spPr>
         <p:txBody>
-          <a:bodyPr anchorCtr="0" anchor="t" bIns="91425" lIns="91425" spcFirstLastPara="1" rIns="91425" wrap="square" tIns="91425">
-            <a:normAutofit fontScale="90000"/>
-          </a:bodyPr>
-          <a:lstStyle/>
-          <a:p>
-            <a:pPr indent="0" lvl="0" marL="0" rtl="0" algn="l">
-              <a:spcBef>
-                <a:spcPts val="0"/>
-              </a:spcBef>
-              <a:spcAft>
-                <a:spcPts val="0"/>
-              </a:spcAft>
-              <a:buNone/>
-            </a:pPr>
-            <a:r>
-              <a:rPr lang="en"/>
-              <a:t>Assignment 3</a:t>
-            </a:r>
-            <a:endParaRPr/>
-          </a:p>
-        </p:txBody>
-      </p:sp>
-      <p:sp>
-        <p:nvSpPr>
-          <p:cNvPr id="151" name="Google Shape;151;p28"/>
-          <p:cNvSpPr txBox="1"/>
-          <p:nvPr>
-            <p:ph idx="1" type="body"/>
-          </p:nvPr>
-        </p:nvSpPr>
-        <p:spPr>
-          <a:xfrm>
-            <a:off x="311700" y="1171600"/>
-            <a:ext cx="8520600" cy="3397200"/>
-          </a:xfrm>
-          <a:prstGeom prst="rect">
-            <a:avLst/>
-          </a:prstGeom>
-        </p:spPr>
-        <p:txBody>
-          <a:bodyPr anchorCtr="0" anchor="t" bIns="91425" lIns="91425" spcFirstLastPara="1" rIns="91425" wrap="square" tIns="91425">
+          <a:bodyPr anchorCtr="0" anchor="ctr" bIns="91425" lIns="91425" spcFirstLastPara="1" rIns="91425" wrap="square" tIns="91425">
             <a:normAutofit/>
           </a:bodyPr>
           <a:lstStyle/>
@@ -10337,27 +10597,13 @@
                 <a:spcPts val="0"/>
               </a:spcBef>
               <a:spcAft>
-                <a:spcPts val="1200"/>
-              </a:spcAft>
-              <a:buClr>
-                <a:schemeClr val="dk1"/>
-              </a:buClr>
-              <a:buSzPts val="1100"/>
-              <a:buFont typeface="Arial"/>
+                <a:spcPts val="0"/>
+              </a:spcAft>
               <a:buNone/>
             </a:pPr>
             <a:r>
               <a:rPr lang="en"/>
-              <a:t>Open the notebook: </a:t>
-            </a:r>
-            <a:r>
-              <a:rPr lang="en">
-                <a:uFill>
-                  <a:noFill/>
-                </a:uFill>
-                <a:hlinkClick r:id="rId3"/>
-              </a:rPr>
-              <a:t>a3_basic_dash_callbacks.ipynb</a:t>
+              <a:t>DAY 2</a:t>
             </a:r>
             <a:endParaRPr/>
           </a:p>
@@ -10376,7 +10622,7 @@
   <p:cSld>
     <p:spTree>
       <p:nvGrpSpPr>
-        <p:cNvPr id="155" name="Shape 155"/>
+        <p:cNvPr id="154" name="Shape 154"/>
         <p:cNvGrpSpPr/>
         <p:nvPr/>
       </p:nvGrpSpPr>
@@ -10390,6 +10636,169 @@
       </p:grpSpPr>
       <p:sp>
         <p:nvSpPr>
+          <p:cNvPr id="155" name="Google Shape;155;p29"/>
+          <p:cNvSpPr txBox="1"/>
+          <p:nvPr>
+            <p:ph idx="1" type="body"/>
+          </p:nvPr>
+        </p:nvSpPr>
+        <p:spPr>
+          <a:xfrm>
+            <a:off x="311700" y="1171600"/>
+            <a:ext cx="8520600" cy="3397200"/>
+          </a:xfrm>
+          <a:prstGeom prst="rect">
+            <a:avLst/>
+          </a:prstGeom>
+        </p:spPr>
+        <p:txBody>
+          <a:bodyPr anchorCtr="0" anchor="t" bIns="91425" lIns="91425" spcFirstLastPara="1" rIns="91425" wrap="square" tIns="91425">
+            <a:normAutofit lnSpcReduction="20000"/>
+          </a:bodyPr>
+          <a:lstStyle/>
+          <a:p>
+            <a:pPr indent="-342900" lvl="0" marL="457200" rtl="0" algn="l">
+              <a:spcBef>
+                <a:spcPts val="0"/>
+              </a:spcBef>
+              <a:spcAft>
+                <a:spcPts val="0"/>
+              </a:spcAft>
+              <a:buSzPts val="1800"/>
+              <a:buChar char="-"/>
+            </a:pPr>
+            <a:r>
+              <a:rPr lang="en"/>
+              <a:t>List of all dash core components (community version): </a:t>
+            </a:r>
+            <a:r>
+              <a:rPr lang="en" u="sng">
+                <a:solidFill>
+                  <a:srgbClr val="1155CC"/>
+                </a:solidFill>
+                <a:hlinkClick r:id="rId3">
+                  <a:extLst>
+                    <a:ext uri="{A12FA001-AC4F-418D-AE19-62706E023703}">
+                      <ahyp:hlinkClr val="tx"/>
+                    </a:ext>
+                  </a:extLst>
+                </a:hlinkClick>
+              </a:rPr>
+              <a:t>https://dash.plotly.com/dash-core-components</a:t>
+            </a:r>
+            <a:endParaRPr sz="2500"/>
+          </a:p>
+          <a:p>
+            <a:pPr indent="-342900" lvl="0" marL="457200" rtl="0" algn="l">
+              <a:spcBef>
+                <a:spcPts val="0"/>
+              </a:spcBef>
+              <a:spcAft>
+                <a:spcPts val="0"/>
+              </a:spcAft>
+              <a:buSzPts val="1800"/>
+              <a:buChar char="-"/>
+            </a:pPr>
+            <a:r>
+              <a:rPr lang="en"/>
+              <a:t>List of all dash html components: </a:t>
+            </a:r>
+            <a:r>
+              <a:rPr lang="en" u="sng">
+                <a:solidFill>
+                  <a:schemeClr val="hlink"/>
+                </a:solidFill>
+                <a:hlinkClick r:id="rId4"/>
+              </a:rPr>
+              <a:t>https://dash.plotly.com/dash-html-components</a:t>
+            </a:r>
+            <a:endParaRPr/>
+          </a:p>
+          <a:p>
+            <a:pPr indent="-342900" lvl="0" marL="457200" rtl="0" algn="l">
+              <a:spcBef>
+                <a:spcPts val="0"/>
+              </a:spcBef>
+              <a:spcAft>
+                <a:spcPts val="0"/>
+              </a:spcAft>
+              <a:buSzPts val="1800"/>
+              <a:buChar char="-"/>
+            </a:pPr>
+            <a:r>
+              <a:rPr lang="en"/>
+              <a:t>Documentation for properties can be accessed using the command: help(dash.html.[add-component-name]) in python or help(dash.dcc.[add-component-name]) </a:t>
+            </a:r>
+            <a:r>
+              <a:rPr lang="en" u="sng">
+                <a:solidFill>
+                  <a:schemeClr val="hlink"/>
+                </a:solidFill>
+                <a:hlinkClick r:id="rId5"/>
+              </a:rPr>
+              <a:t>here</a:t>
+            </a:r>
+            <a:r>
+              <a:rPr lang="en"/>
+              <a:t> (for properties of input component)</a:t>
+            </a:r>
+            <a:endParaRPr/>
+          </a:p>
+          <a:p>
+            <a:pPr indent="-342900" lvl="0" marL="457200" rtl="0" algn="l">
+              <a:spcBef>
+                <a:spcPts val="0"/>
+              </a:spcBef>
+              <a:spcAft>
+                <a:spcPts val="0"/>
+              </a:spcAft>
+              <a:buSzPts val="1800"/>
+              <a:buChar char="-"/>
+            </a:pPr>
+            <a:r>
+              <a:rPr lang="en"/>
+              <a:t>dash_extensions:https://pypi.org/project/dash-extensions/</a:t>
+            </a:r>
+            <a:endParaRPr/>
+          </a:p>
+          <a:p>
+            <a:pPr indent="-342900" lvl="0" marL="457200" rtl="0" algn="l">
+              <a:spcBef>
+                <a:spcPts val="0"/>
+              </a:spcBef>
+              <a:spcAft>
+                <a:spcPts val="0"/>
+              </a:spcAft>
+              <a:buSzPts val="1800"/>
+              <a:buChar char="-"/>
+            </a:pPr>
+            <a:r>
+              <a:rPr lang="en"/>
+              <a:t>Dash bootstrap components: https://dash-bootstrap-components.opensource.faculty.ai/</a:t>
+            </a:r>
+            <a:endParaRPr/>
+          </a:p>
+          <a:p>
+            <a:pPr indent="-342900" lvl="0" marL="457200" rtl="0" algn="l">
+              <a:spcBef>
+                <a:spcPts val="0"/>
+              </a:spcBef>
+              <a:spcAft>
+                <a:spcPts val="0"/>
+              </a:spcAft>
+              <a:buSzPts val="1800"/>
+              <a:buChar char="-"/>
+            </a:pPr>
+            <a:r>
+              <a:rPr lang="en"/>
+              <a:t>Dash Leaflet: Dash bootstrap components: https://dash-leaflet.herokuapp.com/</a:t>
+            </a:r>
+            <a:endParaRPr/>
+          </a:p>
+        </p:txBody>
+      </p:sp>
+      <p:sp>
+        <p:nvSpPr>
           <p:cNvPr id="156" name="Google Shape;156;p29"/>
           <p:cNvSpPr txBox="1"/>
           <p:nvPr>
@@ -10422,51 +10831,7 @@
             </a:pPr>
             <a:r>
               <a:rPr lang="en"/>
-              <a:t>Dash Data Tables</a:t>
-            </a:r>
-            <a:endParaRPr/>
-          </a:p>
-        </p:txBody>
-      </p:sp>
-      <p:sp>
-        <p:nvSpPr>
-          <p:cNvPr id="157" name="Google Shape;157;p29"/>
-          <p:cNvSpPr txBox="1"/>
-          <p:nvPr>
-            <p:ph idx="1" type="body"/>
-          </p:nvPr>
-        </p:nvSpPr>
-        <p:spPr>
-          <a:xfrm>
-            <a:off x="311700" y="1171600"/>
-            <a:ext cx="8520600" cy="3397200"/>
-          </a:xfrm>
-          <a:prstGeom prst="rect">
-            <a:avLst/>
-          </a:prstGeom>
-        </p:spPr>
-        <p:txBody>
-          <a:bodyPr anchorCtr="0" anchor="t" bIns="91425" lIns="91425" spcFirstLastPara="1" rIns="91425" wrap="square" tIns="91425">
-            <a:normAutofit/>
-          </a:bodyPr>
-          <a:lstStyle/>
-          <a:p>
-            <a:pPr indent="0" lvl="0" marL="0" rtl="0" algn="l">
-              <a:spcBef>
-                <a:spcPts val="0"/>
-              </a:spcBef>
-              <a:spcAft>
-                <a:spcPts val="1200"/>
-              </a:spcAft>
-              <a:buNone/>
-            </a:pPr>
-            <a:r>
-              <a:rPr lang="en"/>
-              <a:t>I</a:t>
-            </a:r>
-            <a:r>
-              <a:rPr lang="en"/>
-              <a:t>nteractive table component designed for viewing, editing, and exploring large datasets</a:t>
+              <a:t>Additional References for Components in Dash</a:t>
             </a:r>
             <a:endParaRPr/>
           </a:p>
@@ -10485,7 +10850,7 @@
   <p:cSld>
     <p:spTree>
       <p:nvGrpSpPr>
-        <p:cNvPr id="161" name="Shape 161"/>
+        <p:cNvPr id="160" name="Shape 160"/>
         <p:cNvGrpSpPr/>
         <p:nvPr/>
       </p:nvGrpSpPr>
@@ -10499,7 +10864,7 @@
       </p:grpSpPr>
       <p:sp>
         <p:nvSpPr>
-          <p:cNvPr id="162" name="Google Shape;162;p30"/>
+          <p:cNvPr id="161" name="Google Shape;161;p30"/>
           <p:cNvSpPr txBox="1"/>
           <p:nvPr>
             <p:ph type="title"/>
@@ -10531,7 +10896,7 @@
             </a:pPr>
             <a:r>
               <a:rPr lang="en"/>
-              <a:t>Assignment 4</a:t>
+              <a:t>Assignment 3</a:t>
             </a:r>
             <a:endParaRPr/>
           </a:p>
@@ -10539,7 +10904,7 @@
       </p:sp>
       <p:sp>
         <p:nvSpPr>
-          <p:cNvPr id="163" name="Google Shape;163;p30"/>
+          <p:cNvPr id="162" name="Google Shape;162;p30"/>
           <p:cNvSpPr txBox="1"/>
           <p:nvPr>
             <p:ph idx="1" type="body"/>
@@ -10585,7 +10950,7 @@
                 </a:uFill>
                 <a:hlinkClick r:id="rId3"/>
               </a:rPr>
-              <a:t>a4_editable_dash_tables.ipynb</a:t>
+              <a:t>a3_basic_dash_callbacks.ipynb</a:t>
             </a:r>
             <a:endParaRPr/>
           </a:p>
@@ -10604,7 +10969,7 @@
   <p:cSld>
     <p:spTree>
       <p:nvGrpSpPr>
-        <p:cNvPr id="167" name="Shape 167"/>
+        <p:cNvPr id="166" name="Shape 166"/>
         <p:cNvGrpSpPr/>
         <p:nvPr/>
       </p:nvGrpSpPr>
@@ -10618,7 +10983,7 @@
       </p:grpSpPr>
       <p:sp>
         <p:nvSpPr>
-          <p:cNvPr id="168" name="Google Shape;168;p31"/>
+          <p:cNvPr id="167" name="Google Shape;167;p31"/>
           <p:cNvSpPr txBox="1"/>
           <p:nvPr>
             <p:ph type="title"/>
@@ -10650,7 +11015,7 @@
             </a:pPr>
             <a:r>
               <a:rPr lang="en"/>
-              <a:t>Styling Features of Dash Data Tables</a:t>
+              <a:t>So, how do we share data between callbacks?</a:t>
             </a:r>
             <a:endParaRPr/>
           </a:p>
@@ -10658,7 +11023,7 @@
       </p:sp>
       <p:sp>
         <p:nvSpPr>
-          <p:cNvPr id="169" name="Google Shape;169;p31"/>
+          <p:cNvPr id="168" name="Google Shape;168;p31"/>
           <p:cNvSpPr txBox="1"/>
           <p:nvPr>
             <p:ph idx="1" type="body"/>
@@ -10679,7 +11044,52 @@
           </a:bodyPr>
           <a:lstStyle/>
           <a:p>
+            <a:pPr indent="0" lvl="0" marL="0" rtl="0" algn="l">
+              <a:spcBef>
+                <a:spcPts val="0"/>
+              </a:spcBef>
+              <a:spcAft>
+                <a:spcPts val="0"/>
+              </a:spcAft>
+              <a:buClr>
+                <a:schemeClr val="dk1"/>
+              </a:buClr>
+              <a:buSzPts val="1100"/>
+              <a:buFont typeface="Arial"/>
+              <a:buNone/>
+            </a:pPr>
+            <a:r>
+              <a:rPr lang="en"/>
+              <a:t>In order to share data safely across multiple Python processes or servers, we need to store the data somewhere that is accessible to each of the processes.</a:t>
+            </a:r>
+            <a:endParaRPr/>
+          </a:p>
+          <a:p>
+            <a:pPr indent="0" lvl="0" marL="0" rtl="0" algn="l">
+              <a:spcBef>
+                <a:spcPts val="0"/>
+              </a:spcBef>
+              <a:spcAft>
+                <a:spcPts val="0"/>
+              </a:spcAft>
+              <a:buClr>
+                <a:schemeClr val="dk1"/>
+              </a:buClr>
+              <a:buSzPts val="1100"/>
+              <a:buFont typeface="Arial"/>
+              <a:buNone/>
+            </a:pPr>
+            <a:r>
+              <a:rPr lang="en"/>
+              <a:t>There are three main places to store this data:</a:t>
+            </a:r>
+            <a:endParaRPr/>
+          </a:p>
+          <a:p>
             <a:pPr indent="-342900" lvl="0" marL="457200" rtl="0" algn="l">
+              <a:lnSpc>
+                <a:spcPct val="100000"/>
+              </a:lnSpc>
               <a:spcBef>
                 <a:spcPts val="0"/>
               </a:spcBef>
@@ -10691,12 +11101,15 @@
             </a:pPr>
             <a:r>
               <a:rPr lang="en"/>
-              <a:t>Updating table height</a:t>
+              <a:t>In the user's browser session via dcc.Store</a:t>
             </a:r>
             <a:endParaRPr/>
           </a:p>
           <a:p>
             <a:pPr indent="-342900" lvl="0" marL="457200" rtl="0" algn="l">
+              <a:lnSpc>
+                <a:spcPct val="100000"/>
+              </a:lnSpc>
               <a:spcBef>
                 <a:spcPts val="0"/>
               </a:spcBef>
@@ -10708,12 +11121,15 @@
             </a:pPr>
             <a:r>
               <a:rPr lang="en"/>
-              <a:t>Updating table width and columns</a:t>
+              <a:t>On the disk (e.g. on a file or in a database)</a:t>
             </a:r>
             <a:endParaRPr/>
           </a:p>
           <a:p>
             <a:pPr indent="-342900" lvl="0" marL="457200" rtl="0" algn="l">
+              <a:lnSpc>
+                <a:spcPct val="100000"/>
+              </a:lnSpc>
               <a:spcBef>
                 <a:spcPts val="0"/>
               </a:spcBef>
@@ -10725,77 +11141,9 @@
             </a:pPr>
             <a:r>
               <a:rPr lang="en"/>
-              <a:t>Styling</a:t>
-            </a:r>
-            <a:endParaRPr/>
-          </a:p>
-          <a:p>
-            <a:pPr indent="-342900" lvl="0" marL="457200" rtl="0" algn="l">
-              <a:spcBef>
-                <a:spcPts val="0"/>
-              </a:spcBef>
-              <a:spcAft>
-                <a:spcPts val="0"/>
-              </a:spcAft>
-              <a:buSzPts val="1800"/>
-              <a:buChar char="-"/>
-            </a:pPr>
-            <a:r>
-              <a:rPr lang="en"/>
-              <a:t>Conditional formatting</a:t>
-            </a:r>
-            <a:endParaRPr/>
-          </a:p>
-          <a:p>
-            <a:pPr indent="-342900" lvl="0" marL="457200" rtl="0" algn="l">
-              <a:spcBef>
-                <a:spcPts val="0"/>
-              </a:spcBef>
-              <a:spcAft>
-                <a:spcPts val="0"/>
-              </a:spcAft>
-              <a:buSzPts val="1800"/>
-              <a:buChar char="-"/>
-            </a:pPr>
-            <a:r>
-              <a:rPr lang="en"/>
-              <a:t>Number formatting</a:t>
-            </a:r>
-            <a:endParaRPr/>
-          </a:p>
-          <a:p>
-            <a:pPr indent="-342900" lvl="0" marL="457200" rtl="0" algn="l">
-              <a:spcBef>
-                <a:spcPts val="0"/>
-              </a:spcBef>
-              <a:spcAft>
-                <a:spcPts val="0"/>
-              </a:spcAft>
-              <a:buSzPts val="1800"/>
-              <a:buChar char="-"/>
-            </a:pPr>
-            <a:r>
-              <a:rPr lang="en"/>
-              <a:t>Sorting filtering and paging</a:t>
-            </a:r>
-            <a:endParaRPr/>
-          </a:p>
-          <a:p>
-            <a:pPr indent="-342900" lvl="0" marL="457200" rtl="0" algn="l">
-              <a:spcBef>
-                <a:spcPts val="0"/>
-              </a:spcBef>
-              <a:spcAft>
-                <a:spcPts val="0"/>
-              </a:spcAft>
-              <a:buSzPts val="1800"/>
-              <a:buChar char="-"/>
-            </a:pPr>
-            <a:r>
-              <a:rPr lang="en"/>
-              <a:t>Adding Datatable Tooltips</a:t>
-            </a:r>
-            <a:endParaRPr/>
+              <a:t>In server-side memory shared across processes and servers like a Redis database. Dash Enterprise includes onboard, one-click Redis databases for this purpose.</a:t>
+            </a:r>
+            <a:endParaRPr sz="2500"/>
           </a:p>
         </p:txBody>
       </p:sp>
@@ -10967,7 +11315,7 @@
   <p:cSld>
     <p:spTree>
       <p:nvGrpSpPr>
-        <p:cNvPr id="173" name="Shape 173"/>
+        <p:cNvPr id="172" name="Shape 172"/>
         <p:cNvGrpSpPr/>
         <p:nvPr/>
       </p:nvGrpSpPr>
@@ -10981,6 +11329,46 @@
       </p:grpSpPr>
       <p:sp>
         <p:nvSpPr>
+          <p:cNvPr id="173" name="Google Shape;173;p32"/>
+          <p:cNvSpPr txBox="1"/>
+          <p:nvPr>
+            <p:ph type="title"/>
+          </p:nvPr>
+        </p:nvSpPr>
+        <p:spPr>
+          <a:xfrm>
+            <a:off x="311700" y="445025"/>
+            <a:ext cx="8520600" cy="613200"/>
+          </a:xfrm>
+          <a:prstGeom prst="rect">
+            <a:avLst/>
+          </a:prstGeom>
+        </p:spPr>
+        <p:txBody>
+          <a:bodyPr anchorCtr="0" anchor="t" bIns="91425" lIns="91425" spcFirstLastPara="1" rIns="91425" wrap="square" tIns="91425">
+            <a:normAutofit fontScale="90000"/>
+          </a:bodyPr>
+          <a:lstStyle/>
+          <a:p>
+            <a:pPr indent="0" lvl="0" marL="0" rtl="0" algn="l">
+              <a:spcBef>
+                <a:spcPts val="0"/>
+              </a:spcBef>
+              <a:spcAft>
+                <a:spcPts val="0"/>
+              </a:spcAft>
+              <a:buNone/>
+            </a:pPr>
+            <a:r>
+              <a:rPr lang="en"/>
+              <a:t>Assignment 5</a:t>
+            </a:r>
+            <a:endParaRPr/>
+          </a:p>
+        </p:txBody>
+      </p:sp>
+      <p:sp>
+        <p:nvSpPr>
           <p:cNvPr id="174" name="Google Shape;174;p32"/>
           <p:cNvSpPr txBox="1"/>
           <p:nvPr>
@@ -10989,15 +11377,15 @@
         </p:nvSpPr>
         <p:spPr>
           <a:xfrm>
-            <a:off x="3026325" y="2104250"/>
-            <a:ext cx="5998800" cy="605100"/>
+            <a:off x="311700" y="1171600"/>
+            <a:ext cx="8520600" cy="3397200"/>
           </a:xfrm>
           <a:prstGeom prst="rect">
             <a:avLst/>
           </a:prstGeom>
         </p:spPr>
         <p:txBody>
-          <a:bodyPr anchorCtr="0" anchor="ctr" bIns="91425" lIns="91425" spcFirstLastPara="1" rIns="91425" wrap="square" tIns="91425">
+          <a:bodyPr anchorCtr="0" anchor="t" bIns="91425" lIns="91425" spcFirstLastPara="1" rIns="91425" wrap="square" tIns="91425">
             <a:normAutofit/>
           </a:bodyPr>
           <a:lstStyle/>
@@ -11013,7 +11401,32 @@
             </a:pPr>
             <a:r>
               <a:rPr lang="en"/>
-              <a:t>DAY 2</a:t>
+              <a:t>Advanced callbacks.</a:t>
+            </a:r>
+            <a:endParaRPr/>
+          </a:p>
+          <a:p>
+            <a:pPr indent="0" lvl="0" marL="0" rtl="0" algn="l">
+              <a:spcBef>
+                <a:spcPts val="1200"/>
+              </a:spcBef>
+              <a:spcAft>
+                <a:spcPts val="1200"/>
+              </a:spcAft>
+              <a:buNone/>
+            </a:pPr>
+            <a:r>
+              <a:rPr lang="en"/>
+              <a:t>Open the notebook: </a:t>
+            </a:r>
+            <a:r>
+              <a:rPr lang="en">
+                <a:uFill>
+                  <a:noFill/>
+                </a:uFill>
+                <a:hlinkClick r:id="rId3"/>
+              </a:rPr>
+              <a:t>a5_advanced_dash_callbacks.ipynb</a:t>
             </a:r>
             <a:endParaRPr/>
           </a:p>
@@ -11049,13 +11462,13 @@
           <p:cNvPr id="179" name="Google Shape;179;p33"/>
           <p:cNvSpPr txBox="1"/>
           <p:nvPr>
-            <p:ph idx="1" type="body"/>
+            <p:ph type="title"/>
           </p:nvPr>
         </p:nvSpPr>
         <p:spPr>
           <a:xfrm>
-            <a:off x="311700" y="1171600"/>
-            <a:ext cx="8520600" cy="3397200"/>
+            <a:off x="311700" y="445025"/>
+            <a:ext cx="8520600" cy="613200"/>
           </a:xfrm>
           <a:prstGeom prst="rect">
             <a:avLst/>
@@ -11063,7 +11476,7 @@
         </p:spPr>
         <p:txBody>
           <a:bodyPr anchorCtr="0" anchor="t" bIns="91425" lIns="91425" spcFirstLastPara="1" rIns="91425" wrap="square" tIns="91425">
-            <a:normAutofit/>
+            <a:normAutofit fontScale="90000"/>
           </a:bodyPr>
           <a:lstStyle/>
           <a:p>
@@ -11078,39 +11491,7 @@
             </a:pPr>
             <a:r>
               <a:rPr lang="en"/>
-              <a:t>Read the Project-Uber_Ride.pdf document and follow the instructions.</a:t>
-            </a:r>
-            <a:endParaRPr/>
-          </a:p>
-          <a:p>
-            <a:pPr indent="0" lvl="0" marL="0" rtl="0" algn="l">
-              <a:spcBef>
-                <a:spcPts val="1200"/>
-              </a:spcBef>
-              <a:spcAft>
-                <a:spcPts val="0"/>
-              </a:spcAft>
-              <a:buNone/>
-            </a:pPr>
-            <a:r>
-              <a:rPr lang="en"/>
-              <a:t>Open project-uber-ride folder.</a:t>
-            </a:r>
-            <a:endParaRPr/>
-          </a:p>
-          <a:p>
-            <a:pPr indent="0" lvl="0" marL="0" rtl="0" algn="l">
-              <a:spcBef>
-                <a:spcPts val="1200"/>
-              </a:spcBef>
-              <a:spcAft>
-                <a:spcPts val="1200"/>
-              </a:spcAft>
-              <a:buNone/>
-            </a:pPr>
-            <a:r>
-              <a:rPr lang="en"/>
-              <a:t>Create a file named app.py</a:t>
+              <a:t>Sharing data between callbacks</a:t>
             </a:r>
             <a:endParaRPr/>
           </a:p>
@@ -11121,13 +11502,13 @@
           <p:cNvPr id="180" name="Google Shape;180;p33"/>
           <p:cNvSpPr txBox="1"/>
           <p:nvPr>
-            <p:ph type="title"/>
+            <p:ph idx="1" type="body"/>
           </p:nvPr>
         </p:nvSpPr>
         <p:spPr>
           <a:xfrm>
-            <a:off x="311700" y="445025"/>
-            <a:ext cx="8520600" cy="613200"/>
+            <a:off x="311700" y="1171600"/>
+            <a:ext cx="8520600" cy="3397200"/>
           </a:xfrm>
           <a:prstGeom prst="rect">
             <a:avLst/>
@@ -11135,7 +11516,7 @@
         </p:spPr>
         <p:txBody>
           <a:bodyPr anchorCtr="0" anchor="t" bIns="91425" lIns="91425" spcFirstLastPara="1" rIns="91425" wrap="square" tIns="91425">
-            <a:normAutofit fontScale="90000"/>
+            <a:normAutofit lnSpcReduction="10000"/>
           </a:bodyPr>
           <a:lstStyle/>
           <a:p>
@@ -11146,11 +11527,99 @@
               <a:spcAft>
                 <a:spcPts val="0"/>
               </a:spcAft>
-              <a:buNone/>
+              <a:buClr>
+                <a:schemeClr val="dk1"/>
+              </a:buClr>
+              <a:buSzPts val="1100"/>
+              <a:buFont typeface="Arial"/>
+              <a:buNone/>
+            </a:pPr>
+            <a:r>
+              <a:rPr b="1" lang="en"/>
+              <a:t>But we can use global variables, right?</a:t>
+            </a:r>
+            <a:endParaRPr b="1"/>
+          </a:p>
+          <a:p>
+            <a:pPr indent="-342900" lvl="0" marL="457200" rtl="0" algn="l">
+              <a:spcBef>
+                <a:spcPts val="0"/>
+              </a:spcBef>
+              <a:spcAft>
+                <a:spcPts val="0"/>
+              </a:spcAft>
+              <a:buSzPts val="1800"/>
+              <a:buChar char="-"/>
             </a:pPr>
             <a:r>
               <a:rPr lang="en"/>
-              <a:t>Uber Rides - Project</a:t>
+              <a:t>Dash is stateless. With a stateless framework, user sessions are not mapped 1-1 with server processes. Each callback request can be executed on any of the available processes</a:t>
+            </a:r>
+            <a:endParaRPr/>
+          </a:p>
+          <a:p>
+            <a:pPr indent="-342900" lvl="0" marL="457200" rtl="0" algn="l">
+              <a:spcBef>
+                <a:spcPts val="0"/>
+              </a:spcBef>
+              <a:spcAft>
+                <a:spcPts val="0"/>
+              </a:spcAft>
+              <a:buSzPts val="1800"/>
+              <a:buChar char="-"/>
+            </a:pPr>
+            <a:r>
+              <a:rPr lang="en"/>
+              <a:t>Dash is designed to work in multi-user environments where multiple people may view the application at the same time and will have independent sessions.</a:t>
+            </a:r>
+            <a:endParaRPr/>
+          </a:p>
+          <a:p>
+            <a:pPr indent="-342900" lvl="0" marL="457200" rtl="0" algn="l">
+              <a:spcBef>
+                <a:spcPts val="0"/>
+              </a:spcBef>
+              <a:spcAft>
+                <a:spcPts val="0"/>
+              </a:spcAft>
+              <a:buSzPts val="1800"/>
+              <a:buChar char="-"/>
+            </a:pPr>
+            <a:r>
+              <a:rPr lang="en"/>
+              <a:t>If your app uses modified global variables, then one user's session could set the variable to one value which would affect the next user's session.</a:t>
+            </a:r>
+            <a:endParaRPr/>
+          </a:p>
+          <a:p>
+            <a:pPr indent="-342900" lvl="0" marL="457200" rtl="0" algn="l">
+              <a:spcBef>
+                <a:spcPts val="0"/>
+              </a:spcBef>
+              <a:spcAft>
+                <a:spcPts val="0"/>
+              </a:spcAft>
+              <a:buSzPts val="1800"/>
+              <a:buChar char="-"/>
+            </a:pPr>
+            <a:r>
+              <a:rPr lang="en"/>
+              <a:t>Dash is also designed to be able to run with multiple python workers so that callbacks can be executed in parallel.</a:t>
+            </a:r>
+            <a:endParaRPr/>
+          </a:p>
+          <a:p>
+            <a:pPr indent="0" lvl="0" marL="0" rtl="0" algn="l">
+              <a:spcBef>
+                <a:spcPts val="0"/>
+              </a:spcBef>
+              <a:spcAft>
+                <a:spcPts val="1200"/>
+              </a:spcAft>
+              <a:buNone/>
+            </a:pPr>
+            <a:r>
+              <a:t/>
             </a:r>
             <a:endParaRPr/>
           </a:p>
@@ -11215,7 +11684,7 @@
             </a:pPr>
             <a:r>
               <a:rPr lang="en"/>
-              <a:t>Assignment 5</a:t>
+              <a:t>Dash Data Tables</a:t>
             </a:r>
             <a:endParaRPr/>
           </a:p>
@@ -11249,38 +11718,17 @@
                 <a:spcPts val="0"/>
               </a:spcBef>
               <a:spcAft>
-                <a:spcPts val="0"/>
+                <a:spcPts val="1200"/>
               </a:spcAft>
               <a:buNone/>
             </a:pPr>
             <a:r>
               <a:rPr lang="en"/>
-              <a:t>Advanced callbacks.</a:t>
-            </a:r>
-            <a:endParaRPr/>
-          </a:p>
-          <a:p>
-            <a:pPr indent="0" lvl="0" marL="0" rtl="0" algn="l">
-              <a:spcBef>
-                <a:spcPts val="1200"/>
-              </a:spcBef>
-              <a:spcAft>
-                <a:spcPts val="1200"/>
-              </a:spcAft>
-              <a:buNone/>
-            </a:pPr>
+              <a:t>I</a:t>
+            </a:r>
             <a:r>
               <a:rPr lang="en"/>
-              <a:t>Open the notebook: </a:t>
-            </a:r>
-            <a:r>
-              <a:rPr lang="en">
-                <a:uFill>
-                  <a:noFill/>
-                </a:uFill>
-                <a:hlinkClick r:id="rId3"/>
-              </a:rPr>
-              <a:t>a5_advanced_dash_callbacks.ipynb</a:t>
+              <a:t>nteractive table component designed for viewing, editing, and exploring large datasets</a:t>
             </a:r>
             <a:endParaRPr/>
           </a:p>
@@ -11345,7 +11793,7 @@
             </a:pPr>
             <a:r>
               <a:rPr lang="en"/>
-              <a:t>Sharing data between callbacks</a:t>
+              <a:t>Styling Features of Dash Data Tables</a:t>
             </a:r>
             <a:endParaRPr/>
           </a:p>
@@ -11370,31 +11818,10 @@
         </p:spPr>
         <p:txBody>
           <a:bodyPr anchorCtr="0" anchor="t" bIns="91425" lIns="91425" spcFirstLastPara="1" rIns="91425" wrap="square" tIns="91425">
-            <a:normAutofit lnSpcReduction="10000"/>
+            <a:normAutofit/>
           </a:bodyPr>
           <a:lstStyle/>
           <a:p>
-            <a:pPr indent="0" lvl="0" marL="0" rtl="0" algn="l">
-              <a:spcBef>
-                <a:spcPts val="0"/>
-              </a:spcBef>
-              <a:spcAft>
-                <a:spcPts val="0"/>
-              </a:spcAft>
-              <a:buClr>
-                <a:schemeClr val="dk1"/>
-              </a:buClr>
-              <a:buSzPts val="1100"/>
-              <a:buFont typeface="Arial"/>
-              <a:buNone/>
-            </a:pPr>
-            <a:r>
-              <a:rPr b="1" lang="en"/>
-              <a:t>But we can use global variables, right?</a:t>
-            </a:r>
-            <a:endParaRPr b="1"/>
-          </a:p>
-          <a:p>
             <a:pPr indent="-342900" lvl="0" marL="457200" rtl="0" algn="l">
               <a:spcBef>
                 <a:spcPts val="0"/>
@@ -11407,7 +11834,7 @@
             </a:pPr>
             <a:r>
               <a:rPr lang="en"/>
-              <a:t>Dash is stateless. With a stateless framework, user sessions are not mapped 1-1 with server processes. Each callback request can be executed on any of the available processes</a:t>
+              <a:t>Updating table height</a:t>
             </a:r>
             <a:endParaRPr/>
           </a:p>
@@ -11424,7 +11851,7 @@
             </a:pPr>
             <a:r>
               <a:rPr lang="en"/>
-              <a:t>Dash is designed to work in multi-user environments where multiple people may view the application at the same time and will have independent sessions.</a:t>
+              <a:t>Updating table width and columns</a:t>
             </a:r>
             <a:endParaRPr/>
           </a:p>
@@ -11441,7 +11868,7 @@
             </a:pPr>
             <a:r>
               <a:rPr lang="en"/>
-              <a:t>If your app uses modified global variables, then one user's session could set the variable to one value which would affect the next user's session.</a:t>
+              <a:t>Styling</a:t>
             </a:r>
             <a:endParaRPr/>
           </a:p>
@@ -11458,22 +11885,58 @@
             </a:pPr>
             <a:r>
               <a:rPr lang="en"/>
-              <a:t>Dash is also designed to be able to run with multiple python workers so that callbacks can be executed in parallel.</a:t>
-            </a:r>
-            <a:endParaRPr/>
-          </a:p>
-          <a:p>
-            <a:pPr indent="0" lvl="0" marL="0" rtl="0" algn="l">
-              <a:spcBef>
-                <a:spcPts val="0"/>
-              </a:spcBef>
-              <a:spcAft>
-                <a:spcPts val="1200"/>
-              </a:spcAft>
-              <a:buNone/>
-            </a:pPr>
-            <a:r>
-              <a:t/>
+              <a:t>Conditional formatting</a:t>
+            </a:r>
+            <a:endParaRPr/>
+          </a:p>
+          <a:p>
+            <a:pPr indent="-342900" lvl="0" marL="457200" rtl="0" algn="l">
+              <a:spcBef>
+                <a:spcPts val="0"/>
+              </a:spcBef>
+              <a:spcAft>
+                <a:spcPts val="0"/>
+              </a:spcAft>
+              <a:buSzPts val="1800"/>
+              <a:buChar char="-"/>
+            </a:pPr>
+            <a:r>
+              <a:rPr lang="en"/>
+              <a:t>Number formatting</a:t>
+            </a:r>
+            <a:endParaRPr/>
+          </a:p>
+          <a:p>
+            <a:pPr indent="-342900" lvl="0" marL="457200" rtl="0" algn="l">
+              <a:spcBef>
+                <a:spcPts val="0"/>
+              </a:spcBef>
+              <a:spcAft>
+                <a:spcPts val="0"/>
+              </a:spcAft>
+              <a:buSzPts val="1800"/>
+              <a:buChar char="-"/>
+            </a:pPr>
+            <a:r>
+              <a:rPr lang="en"/>
+              <a:t>Sorting filtering and paging</a:t>
+            </a:r>
+            <a:endParaRPr/>
+          </a:p>
+          <a:p>
+            <a:pPr indent="-342900" lvl="0" marL="457200" rtl="0" algn="l">
+              <a:spcBef>
+                <a:spcPts val="0"/>
+              </a:spcBef>
+              <a:spcAft>
+                <a:spcPts val="0"/>
+              </a:spcAft>
+              <a:buSzPts val="1800"/>
+              <a:buChar char="-"/>
+            </a:pPr>
+            <a:r>
+              <a:rPr lang="en"/>
+              <a:t>Adding Datatable Tooltips</a:t>
             </a:r>
             <a:endParaRPr/>
           </a:p>
@@ -11538,7 +12001,7 @@
             </a:pPr>
             <a:r>
               <a:rPr lang="en"/>
-              <a:t>So, how do we share data between callbacks?</a:t>
+              <a:t>Assignment 4</a:t>
             </a:r>
             <a:endParaRPr/>
           </a:p>
@@ -11583,14 +12046,23 @@
             </a:pPr>
             <a:r>
               <a:rPr lang="en"/>
-              <a:t>In order to share data safely across multiple Python processes or servers, we need to store the data somewhere that is accessible to each of the processes.</a:t>
+              <a:t>Open the notebook: </a:t>
+            </a:r>
+            <a:r>
+              <a:rPr lang="en">
+                <a:uFill>
+                  <a:noFill/>
+                </a:uFill>
+                <a:hlinkClick r:id="rId3"/>
+              </a:rPr>
+              <a:t>a4_editable_dash_tables.ipynb</a:t>
             </a:r>
             <a:endParaRPr/>
           </a:p>
           <a:p>
             <a:pPr indent="0" lvl="0" marL="0" rtl="0" algn="l">
               <a:spcBef>
-                <a:spcPts val="0"/>
+                <a:spcPts val="1200"/>
               </a:spcBef>
               <a:spcAft>
                 <a:spcPts val="0"/>
@@ -11604,69 +12076,38 @@
             </a:pPr>
             <a:r>
               <a:rPr lang="en"/>
-              <a:t>There are three main places to store this data:</a:t>
-            </a:r>
-            <a:endParaRPr/>
-          </a:p>
-          <a:p>
-            <a:pPr indent="-342900" lvl="0" marL="457200" rtl="0" algn="l">
-              <a:lnSpc>
-                <a:spcPct val="100000"/>
-              </a:lnSpc>
-              <a:spcBef>
-                <a:spcPts val="0"/>
-              </a:spcBef>
-              <a:spcAft>
-                <a:spcPts val="0"/>
-              </a:spcAft>
-              <a:buSzPts val="1800"/>
-              <a:buChar char="-"/>
-            </a:pPr>
-            <a:r>
-              <a:rPr lang="en"/>
-              <a:t>In the user's browser session via dcc.Store</a:t>
-            </a:r>
-            <a:endParaRPr/>
-          </a:p>
-          <a:p>
-            <a:pPr indent="-342900" lvl="0" marL="457200" rtl="0" algn="l">
-              <a:lnSpc>
-                <a:spcPct val="100000"/>
-              </a:lnSpc>
-              <a:spcBef>
-                <a:spcPts val="0"/>
-              </a:spcBef>
-              <a:spcAft>
-                <a:spcPts val="0"/>
-              </a:spcAft>
-              <a:buSzPts val="1800"/>
-              <a:buChar char="-"/>
-            </a:pPr>
-            <a:r>
-              <a:rPr lang="en"/>
-              <a:t>On the disk (e.g. on a file or in a database)</a:t>
-            </a:r>
-            <a:endParaRPr/>
-          </a:p>
-          <a:p>
-            <a:pPr indent="-342900" lvl="0" marL="457200" rtl="0" algn="l">
-              <a:lnSpc>
-                <a:spcPct val="100000"/>
-              </a:lnSpc>
-              <a:spcBef>
-                <a:spcPts val="0"/>
-              </a:spcBef>
-              <a:spcAft>
-                <a:spcPts val="0"/>
-              </a:spcAft>
-              <a:buSzPts val="1800"/>
-              <a:buChar char="-"/>
-            </a:pPr>
-            <a:r>
-              <a:rPr lang="en"/>
-              <a:t>In server-side memory shared across processes and servers like a Redis database. Dash Enterprise includes onboard, one-click Redis databases for this purpose.</a:t>
-            </a:r>
-            <a:endParaRPr sz="2500"/>
+              <a:t>Documentation Reference: </a:t>
+            </a:r>
+            <a:r>
+              <a:rPr lang="en" u="sng">
+                <a:solidFill>
+                  <a:schemeClr val="hlink"/>
+                </a:solidFill>
+                <a:hlinkClick r:id="rId4"/>
+              </a:rPr>
+              <a:t>https://dash.plotly.com/datatable/reference</a:t>
+            </a:r>
+            <a:endParaRPr/>
+          </a:p>
+          <a:p>
+            <a:pPr indent="0" lvl="0" marL="0" rtl="0" algn="l">
+              <a:spcBef>
+                <a:spcPts val="1200"/>
+              </a:spcBef>
+              <a:spcAft>
+                <a:spcPts val="1200"/>
+              </a:spcAft>
+              <a:buClr>
+                <a:schemeClr val="dk1"/>
+              </a:buClr>
+              <a:buSzPts val="1100"/>
+              <a:buFont typeface="Arial"/>
+              <a:buNone/>
+            </a:pPr>
+            <a:r>
+              <a:t/>
+            </a:r>
+            <a:endParaRPr/>
           </a:p>
         </p:txBody>
       </p:sp>
@@ -11758,132 +12199,153 @@
         </p:spPr>
         <p:txBody>
           <a:bodyPr anchorCtr="0" anchor="t" bIns="91425" lIns="91425" spcFirstLastPara="1" rIns="91425" wrap="square" tIns="91425">
-            <a:normAutofit fontScale="25000" lnSpcReduction="20000"/>
+            <a:noAutofit/>
           </a:bodyPr>
           <a:lstStyle/>
           <a:p>
-            <a:pPr indent="-317500" lvl="0" marL="457200" rtl="0" algn="l">
+            <a:pPr indent="-304800" lvl="0" marL="457200" rtl="0" algn="l">
+              <a:lnSpc>
+                <a:spcPct val="95000"/>
+              </a:lnSpc>
               <a:spcBef>
                 <a:spcPts val="1100"/>
               </a:spcBef>
               <a:spcAft>
                 <a:spcPts val="0"/>
               </a:spcAft>
-              <a:buSzPct val="100000"/>
+              <a:buSzPts val="1200"/>
               <a:buChar char="-"/>
             </a:pPr>
             <a:r>
-              <a:rPr lang="en" sz="5600"/>
+              <a:rPr lang="en" sz="1200"/>
               <a:t>Components in Dash are serialized as JSON. </a:t>
             </a:r>
-            <a:endParaRPr sz="5600"/>
-          </a:p>
-          <a:p>
-            <a:pPr indent="-317500" lvl="0" marL="457200" rtl="0" algn="l">
-              <a:spcBef>
-                <a:spcPts val="0"/>
-              </a:spcBef>
-              <a:spcAft>
-                <a:spcPts val="0"/>
-              </a:spcAft>
-              <a:buSzPct val="100000"/>
+            <a:endParaRPr sz="1200"/>
+          </a:p>
+          <a:p>
+            <a:pPr indent="-304800" lvl="0" marL="457200" rtl="0" algn="l">
+              <a:lnSpc>
+                <a:spcPct val="95000"/>
+              </a:lnSpc>
+              <a:spcBef>
+                <a:spcPts val="0"/>
+              </a:spcBef>
+              <a:spcAft>
+                <a:spcPts val="0"/>
+              </a:spcAft>
+              <a:buSzPts val="1200"/>
               <a:buChar char="-"/>
             </a:pPr>
             <a:r>
-              <a:rPr lang="en" sz="5600"/>
+              <a:rPr lang="en" sz="1200"/>
               <a:t>Annotating components with React docstrings - React Docgen. </a:t>
             </a:r>
-            <a:endParaRPr sz="5600"/>
-          </a:p>
-          <a:p>
-            <a:pPr indent="-317500" lvl="0" marL="457200" rtl="0" algn="l">
-              <a:spcBef>
-                <a:spcPts val="0"/>
-              </a:spcBef>
-              <a:spcAft>
-                <a:spcPts val="0"/>
-              </a:spcAft>
-              <a:buSzPct val="100000"/>
+            <a:endParaRPr sz="1200"/>
+          </a:p>
+          <a:p>
+            <a:pPr indent="-304800" lvl="0" marL="457200" rtl="0" algn="l">
+              <a:lnSpc>
+                <a:spcPct val="95000"/>
+              </a:lnSpc>
+              <a:spcBef>
+                <a:spcPts val="0"/>
+              </a:spcBef>
+              <a:spcAft>
+                <a:spcPts val="0"/>
+              </a:spcAft>
+              <a:buSzPts val="1200"/>
               <a:buChar char="-"/>
             </a:pPr>
             <a:r>
-              <a:rPr lang="en" sz="5600"/>
+              <a:rPr lang="en" sz="1200"/>
               <a:t>At build time, Dash reads this JSON file and dynamically creates Python classes that subclass a core Dash component.</a:t>
             </a:r>
-            <a:endParaRPr sz="5600"/>
-          </a:p>
-          <a:p>
-            <a:pPr indent="-317500" lvl="0" marL="457200" rtl="0" algn="l">
-              <a:spcBef>
-                <a:spcPts val="0"/>
-              </a:spcBef>
-              <a:spcAft>
-                <a:spcPts val="0"/>
-              </a:spcAft>
-              <a:buSzPct val="100000"/>
+            <a:endParaRPr sz="1200"/>
+          </a:p>
+          <a:p>
+            <a:pPr indent="-304800" lvl="0" marL="457200" rtl="0" algn="l">
+              <a:lnSpc>
+                <a:spcPct val="95000"/>
+              </a:lnSpc>
+              <a:spcBef>
+                <a:spcPts val="0"/>
+              </a:spcBef>
+              <a:spcAft>
+                <a:spcPts val="0"/>
+              </a:spcAft>
+              <a:buSzPts val="1200"/>
               <a:buChar char="-"/>
             </a:pPr>
             <a:r>
-              <a:rPr lang="en" sz="5600"/>
+              <a:rPr lang="en" sz="1200"/>
               <a:t>MANIFEST.in needs to contain each JavaScript, JSON, and CSS file that you have included in your my_dash_component/ folder. In the dash-component-boilerplate repository, you can see that all the JavaScript for your React component is included in the build.js file.</a:t>
             </a:r>
-            <a:endParaRPr sz="5600"/>
-          </a:p>
-          <a:p>
-            <a:pPr indent="-317500" lvl="0" marL="457200" rtl="0" algn="l">
-              <a:spcBef>
-                <a:spcPts val="0"/>
-              </a:spcBef>
-              <a:spcAft>
-                <a:spcPts val="0"/>
-              </a:spcAft>
-              <a:buSzPct val="100000"/>
+            <a:endParaRPr sz="1200"/>
+          </a:p>
+          <a:p>
+            <a:pPr indent="-304800" lvl="0" marL="457200" rtl="0" algn="l">
+              <a:lnSpc>
+                <a:spcPct val="95000"/>
+              </a:lnSpc>
+              <a:spcBef>
+                <a:spcPts val="0"/>
+              </a:spcBef>
+              <a:spcAft>
+                <a:spcPts val="0"/>
+              </a:spcAft>
+              <a:buSzPts val="1200"/>
               <a:buChar char="-"/>
             </a:pPr>
             <a:r>
-              <a:rPr lang="en" sz="5600"/>
+              <a:rPr lang="en" sz="1200"/>
               <a:t>The Dash app crawls through the app's layout property and checks which component packages are included in the layout; then it extracts that component's necessary JavaScript or CSS bundles. Dash serves these bundles to Dash's front-end. These JavaScript bundles are used to render the components.</a:t>
             </a:r>
-            <a:endParaRPr sz="5600"/>
-          </a:p>
-          <a:p>
-            <a:pPr indent="-317500" lvl="0" marL="457200" rtl="0" algn="l">
-              <a:spcBef>
-                <a:spcPts val="0"/>
-              </a:spcBef>
-              <a:spcAft>
-                <a:spcPts val="0"/>
-              </a:spcAft>
-              <a:buSzPct val="100000"/>
+            <a:endParaRPr sz="1200"/>
+          </a:p>
+          <a:p>
+            <a:pPr indent="-304800" lvl="0" marL="457200" rtl="0" algn="l">
+              <a:lnSpc>
+                <a:spcPct val="95000"/>
+              </a:lnSpc>
+              <a:spcBef>
+                <a:spcPts val="0"/>
+              </a:spcBef>
+              <a:spcAft>
+                <a:spcPts val="0"/>
+              </a:spcAft>
+              <a:buSzPts val="1200"/>
               <a:buChar char="-"/>
             </a:pPr>
             <a:r>
-              <a:rPr lang="en" sz="5600"/>
+              <a:rPr lang="en" sz="1200"/>
               <a:t>Dash's layout is serialized as JSON and served to Dash's front-end. This layout is recursively rendered with these JavaScript bundles and React.</a:t>
             </a:r>
-            <a:endParaRPr sz="5600"/>
-          </a:p>
-          <a:p>
-            <a:pPr indent="-317500" lvl="0" marL="457200" rtl="0" algn="l">
-              <a:spcBef>
-                <a:spcPts val="0"/>
-              </a:spcBef>
-              <a:spcAft>
-                <a:spcPts val="0"/>
-              </a:spcAft>
-              <a:buSzPct val="100000"/>
+            <a:endParaRPr sz="1200"/>
+          </a:p>
+          <a:p>
+            <a:pPr indent="-304800" lvl="0" marL="457200" rtl="0" algn="l">
+              <a:lnSpc>
+                <a:spcPct val="95000"/>
+              </a:lnSpc>
+              <a:spcBef>
+                <a:spcPts val="0"/>
+              </a:spcBef>
+              <a:spcAft>
+                <a:spcPts val="0"/>
+              </a:spcAft>
+              <a:buSzPts val="1200"/>
               <a:buChar char="-"/>
             </a:pPr>
             <a:r>
-              <a:rPr lang="en" sz="5600"/>
+              <a:rPr lang="en" sz="1200"/>
               <a:t>Checkout</a:t>
             </a:r>
             <a:r>
-              <a:rPr lang="en" sz="5600"/>
+              <a:rPr lang="en" sz="1200"/>
               <a:t> python package: cookiecutter: </a:t>
             </a:r>
             <a:r>
-              <a:rPr lang="en" sz="5600" u="sng">
+              <a:rPr lang="en" sz="1200" u="sng">
                 <a:solidFill>
                   <a:schemeClr val="hlink"/>
                 </a:solidFill>
@@ -11891,53 +12353,77 @@
               </a:rPr>
               <a:t>https://github.com/plotly/dash-component-boilerplate</a:t>
             </a:r>
-            <a:endParaRPr sz="5600"/>
-          </a:p>
-          <a:p>
-            <a:pPr indent="-317500" lvl="0" marL="457200" rtl="0" algn="l">
-              <a:spcBef>
-                <a:spcPts val="0"/>
-              </a:spcBef>
-              <a:spcAft>
-                <a:spcPts val="0"/>
-              </a:spcAft>
-              <a:buSzPct val="100000"/>
+            <a:endParaRPr sz="1200"/>
+          </a:p>
+          <a:p>
+            <a:pPr indent="-304800" lvl="0" marL="457200" rtl="0" algn="l">
+              <a:lnSpc>
+                <a:spcPct val="95000"/>
+              </a:lnSpc>
+              <a:spcBef>
+                <a:spcPts val="0"/>
+              </a:spcBef>
+              <a:spcAft>
+                <a:spcPts val="0"/>
+              </a:spcAft>
+              <a:buSzPts val="1200"/>
               <a:buChar char="-"/>
             </a:pPr>
             <a:r>
-              <a:rPr lang="en" sz="5600"/>
+              <a:rPr lang="en" sz="1200"/>
               <a:t>Examples: </a:t>
             </a:r>
-            <a:r>
-              <a:rPr lang="en" sz="5600" u="sng">
+            <a:endParaRPr sz="1200"/>
+          </a:p>
+          <a:p>
+            <a:pPr indent="0" lvl="0" marL="914400" rtl="0" algn="l">
+              <a:lnSpc>
+                <a:spcPct val="80000"/>
+              </a:lnSpc>
+              <a:spcBef>
+                <a:spcPts val="1100"/>
+              </a:spcBef>
+              <a:spcAft>
+                <a:spcPts val="0"/>
+              </a:spcAft>
+              <a:buSzPts val="275"/>
+              <a:buNone/>
+            </a:pPr>
+            <a:r>
+              <a:rPr lang="en" sz="1200"/>
+              <a:t>-	</a:t>
+            </a:r>
+            <a:r>
+              <a:rPr lang="en" sz="1200" u="sng">
                 <a:solidFill>
-                  <a:srgbClr val="1155CC"/>
+                  <a:schemeClr val="hlink"/>
                 </a:solidFill>
-                <a:hlinkClick r:id="rId4">
-                  <a:extLst>
-                    <a:ext uri="{A12FA001-AC4F-418D-AE19-62706E023703}">
-                      <ahyp:hlinkClr val="tx"/>
-                    </a:ext>
-                  </a:extLst>
-                </a:hlinkClick>
+                <a:hlinkClick r:id="rId4"/>
               </a:rPr>
-              <a:t>https://jackylishi.medium.com/build-a-custom-dash-component-5d0059c97a8e</a:t>
-            </a:r>
-            <a:endParaRPr sz="5600"/>
-          </a:p>
-          <a:p>
-            <a:pPr indent="-317500" lvl="0" marL="457200" rtl="0" algn="l">
-              <a:spcBef>
-                <a:spcPts val="0"/>
-              </a:spcBef>
-              <a:spcAft>
-                <a:spcPts val="0"/>
-              </a:spcAft>
-              <a:buSzPct val="100000"/>
-              <a:buChar char="-"/>
-            </a:pPr>
-            <a:r>
-              <a:rPr lang="en" sz="5600" u="sng">
+              <a:t>https://blog.ag-grid.com/react-get-started-with-react-grid-in-5-minutes/</a:t>
+            </a:r>
+            <a:endParaRPr sz="1200"/>
+          </a:p>
+          <a:p>
+            <a:pPr indent="0" lvl="0" marL="914400" rtl="0" algn="l">
+              <a:lnSpc>
+                <a:spcPct val="80000"/>
+              </a:lnSpc>
+              <a:spcBef>
+                <a:spcPts val="1100"/>
+              </a:spcBef>
+              <a:spcAft>
+                <a:spcPts val="0"/>
+              </a:spcAft>
+              <a:buSzPts val="275"/>
+              <a:buNone/>
+            </a:pPr>
+            <a:r>
+              <a:rPr lang="en" sz="1200"/>
+              <a:t>-	</a:t>
+            </a:r>
+            <a:r>
+              <a:rPr lang="en" sz="1200" u="sng">
                 <a:solidFill>
                   <a:srgbClr val="1155CC"/>
                 </a:solidFill>
@@ -11951,27 +12437,117 @@
               </a:rPr>
               <a:t>https://jackylishi.medium.com/build-a-realtime-dash-app-with-websockets-5d25fa627c7a</a:t>
             </a:r>
-            <a:endParaRPr sz="5600"/>
+            <a:endParaRPr sz="1200"/>
+          </a:p>
+          <a:p>
+            <a:pPr indent="0" lvl="0" marL="914400" rtl="0" algn="l">
+              <a:lnSpc>
+                <a:spcPct val="80000"/>
+              </a:lnSpc>
+              <a:spcBef>
+                <a:spcPts val="1100"/>
+              </a:spcBef>
+              <a:spcAft>
+                <a:spcPts val="0"/>
+              </a:spcAft>
+              <a:buSzPts val="275"/>
+              <a:buNone/>
+            </a:pPr>
+            <a:r>
+              <a:rPr lang="en" sz="1200"/>
+              <a:t>-	</a:t>
+            </a:r>
+            <a:r>
+              <a:rPr lang="en" sz="1200" u="sng">
+                <a:solidFill>
+                  <a:schemeClr val="hlink"/>
+                </a:solidFill>
+                <a:hlinkClick r:id="rId6"/>
+              </a:rPr>
+              <a:t>https://dash.plotly.com/dash-ag-grid/usage</a:t>
+            </a:r>
+            <a:endParaRPr sz="1200"/>
+          </a:p>
+          <a:p>
+            <a:pPr indent="0" lvl="0" marL="914400" rtl="0" algn="l">
+              <a:lnSpc>
+                <a:spcPct val="80000"/>
+              </a:lnSpc>
+              <a:spcBef>
+                <a:spcPts val="1100"/>
+              </a:spcBef>
+              <a:spcAft>
+                <a:spcPts val="0"/>
+              </a:spcAft>
+              <a:buSzPts val="275"/>
+              <a:buNone/>
+            </a:pPr>
+            <a:r>
+              <a:t/>
+            </a:r>
+            <a:endParaRPr sz="1200"/>
+          </a:p>
+          <a:p>
+            <a:pPr indent="0" lvl="0" marL="914400" rtl="0" algn="l">
+              <a:lnSpc>
+                <a:spcPct val="95000"/>
+              </a:lnSpc>
+              <a:spcBef>
+                <a:spcPts val="1100"/>
+              </a:spcBef>
+              <a:spcAft>
+                <a:spcPts val="0"/>
+              </a:spcAft>
+              <a:buSzPts val="275"/>
+              <a:buNone/>
+            </a:pPr>
+            <a:r>
+              <a:t/>
+            </a:r>
+            <a:endParaRPr sz="1300"/>
+          </a:p>
+          <a:p>
+            <a:pPr indent="0" lvl="0" marL="914400" rtl="0" algn="l">
+              <a:lnSpc>
+                <a:spcPct val="95000"/>
+              </a:lnSpc>
+              <a:spcBef>
+                <a:spcPts val="1100"/>
+              </a:spcBef>
+              <a:spcAft>
+                <a:spcPts val="0"/>
+              </a:spcAft>
+              <a:buSzPts val="275"/>
+              <a:buNone/>
+            </a:pPr>
+            <a:r>
+              <a:t/>
+            </a:r>
+            <a:endParaRPr sz="1300"/>
           </a:p>
           <a:p>
             <a:pPr indent="0" lvl="0" marL="457200" rtl="0" algn="l">
+              <a:lnSpc>
+                <a:spcPct val="95000"/>
+              </a:lnSpc>
               <a:spcBef>
                 <a:spcPts val="1100"/>
               </a:spcBef>
               <a:spcAft>
                 <a:spcPts val="0"/>
               </a:spcAft>
+              <a:buSzPts val="275"/>
               <a:buNone/>
             </a:pPr>
             <a:r>
               <a:t/>
             </a:r>
-            <a:endParaRPr sz="1100"/>
+            <a:endParaRPr sz="175"/>
           </a:p>
           <a:p>
             <a:pPr indent="0" lvl="0" marL="0" rtl="0" algn="l">
               <a:lnSpc>
-                <a:spcPct val="100000"/>
+                <a:spcPct val="80000"/>
               </a:lnSpc>
               <a:spcBef>
                 <a:spcPts val="1100"/>
@@ -11982,8 +12558,532 @@
               <a:buClr>
                 <a:schemeClr val="dk1"/>
               </a:buClr>
-              <a:buSzPct val="61111"/>
+              <a:buSzPts val="275"/>
               <a:buFont typeface="Arial"/>
+              <a:buNone/>
+            </a:pPr>
+            <a:r>
+              <a:t/>
+            </a:r>
+            <a:endParaRPr sz="350"/>
+          </a:p>
+        </p:txBody>
+      </p:sp>
+    </p:spTree>
+  </p:cSld>
+  <p:clrMapOvr>
+    <a:masterClrMapping/>
+  </p:clrMapOvr>
+</p:sld>
+</file>
+
+<file path=ppt/slides/slide26.xml><?xml version="1.0" encoding="utf-8"?>
+<p:sld xmlns:a="http://schemas.openxmlformats.org/drawingml/2006/main" xmlns:r="http://schemas.openxmlformats.org/officeDocument/2006/relationships" xmlns:mc="http://schemas.openxmlformats.org/markup-compatibility/2006" xmlns:mv="urn:schemas-microsoft-com:mac:vml" xmlns:p="http://schemas.openxmlformats.org/presentationml/2006/main" xmlns:c="http://schemas.openxmlformats.org/drawingml/2006/chart" xmlns:dgm="http://schemas.openxmlformats.org/drawingml/2006/diagram" xmlns:o="urn:schemas-microsoft-com:office:office" xmlns:v="urn:schemas-microsoft-com:vml" xmlns:pvml="urn:schemas-microsoft-com:office:powerpoint" xmlns:com="http://schemas.openxmlformats.org/drawingml/2006/compatibility" xmlns:p14="http://schemas.microsoft.com/office/powerpoint/2010/main" xmlns:p15="http://schemas.microsoft.com/office/powerpoint/2012/main" xmlns:ahyp="http://schemas.microsoft.com/office/drawing/2018/hyperlinkcolor">
+  <p:cSld>
+    <p:spTree>
+      <p:nvGrpSpPr>
+        <p:cNvPr id="208" name="Shape 208"/>
+        <p:cNvGrpSpPr/>
+        <p:nvPr/>
+      </p:nvGrpSpPr>
+      <p:grpSpPr>
+        <a:xfrm>
+          <a:off x="0" y="0"/>
+          <a:ext cx="0" cy="0"/>
+          <a:chOff x="0" y="0"/>
+          <a:chExt cx="0" cy="0"/>
+        </a:xfrm>
+      </p:grpSpPr>
+      <p:sp>
+        <p:nvSpPr>
+          <p:cNvPr id="209" name="Google Shape;209;p38"/>
+          <p:cNvSpPr txBox="1"/>
+          <p:nvPr>
+            <p:ph idx="1" type="body"/>
+          </p:nvPr>
+        </p:nvSpPr>
+        <p:spPr>
+          <a:xfrm>
+            <a:off x="311700" y="1171600"/>
+            <a:ext cx="8520600" cy="3397200"/>
+          </a:xfrm>
+          <a:prstGeom prst="rect">
+            <a:avLst/>
+          </a:prstGeom>
+        </p:spPr>
+        <p:txBody>
+          <a:bodyPr anchorCtr="0" anchor="t" bIns="91425" lIns="91425" spcFirstLastPara="1" rIns="91425" wrap="square" tIns="91425">
+            <a:normAutofit/>
+          </a:bodyPr>
+          <a:lstStyle/>
+          <a:p>
+            <a:pPr indent="0" lvl="0" marL="0" rtl="0" algn="l">
+              <a:spcBef>
+                <a:spcPts val="0"/>
+              </a:spcBef>
+              <a:spcAft>
+                <a:spcPts val="0"/>
+              </a:spcAft>
+              <a:buNone/>
+            </a:pPr>
+            <a:r>
+              <a:rPr lang="en"/>
+              <a:t>Read the Project-Uber_Ride.pdf document and follow the instructions.</a:t>
+            </a:r>
+            <a:endParaRPr/>
+          </a:p>
+          <a:p>
+            <a:pPr indent="0" lvl="0" marL="0" rtl="0" algn="l">
+              <a:spcBef>
+                <a:spcPts val="1200"/>
+              </a:spcBef>
+              <a:spcAft>
+                <a:spcPts val="0"/>
+              </a:spcAft>
+              <a:buNone/>
+            </a:pPr>
+            <a:r>
+              <a:rPr lang="en"/>
+              <a:t>Open project-uber-ride folder.</a:t>
+            </a:r>
+            <a:endParaRPr/>
+          </a:p>
+          <a:p>
+            <a:pPr indent="0" lvl="0" marL="0" rtl="0" algn="l">
+              <a:spcBef>
+                <a:spcPts val="1200"/>
+              </a:spcBef>
+              <a:spcAft>
+                <a:spcPts val="1200"/>
+              </a:spcAft>
+              <a:buNone/>
+            </a:pPr>
+            <a:r>
+              <a:rPr lang="en"/>
+              <a:t>Create a file named app.py</a:t>
+            </a:r>
+            <a:endParaRPr/>
+          </a:p>
+        </p:txBody>
+      </p:sp>
+      <p:sp>
+        <p:nvSpPr>
+          <p:cNvPr id="210" name="Google Shape;210;p38"/>
+          <p:cNvSpPr txBox="1"/>
+          <p:nvPr>
+            <p:ph type="title"/>
+          </p:nvPr>
+        </p:nvSpPr>
+        <p:spPr>
+          <a:xfrm>
+            <a:off x="311700" y="445025"/>
+            <a:ext cx="8520600" cy="613200"/>
+          </a:xfrm>
+          <a:prstGeom prst="rect">
+            <a:avLst/>
+          </a:prstGeom>
+        </p:spPr>
+        <p:txBody>
+          <a:bodyPr anchorCtr="0" anchor="t" bIns="91425" lIns="91425" spcFirstLastPara="1" rIns="91425" wrap="square" tIns="91425">
+            <a:normAutofit fontScale="90000"/>
+          </a:bodyPr>
+          <a:lstStyle/>
+          <a:p>
+            <a:pPr indent="0" lvl="0" marL="0" rtl="0" algn="l">
+              <a:spcBef>
+                <a:spcPts val="0"/>
+              </a:spcBef>
+              <a:spcAft>
+                <a:spcPts val="0"/>
+              </a:spcAft>
+              <a:buNone/>
+            </a:pPr>
+            <a:r>
+              <a:rPr lang="en"/>
+              <a:t>Uber Rides - Project</a:t>
+            </a:r>
+            <a:endParaRPr/>
+          </a:p>
+        </p:txBody>
+      </p:sp>
+    </p:spTree>
+  </p:cSld>
+  <p:clrMapOvr>
+    <a:masterClrMapping/>
+  </p:clrMapOvr>
+</p:sld>
+</file>
+
+<file path=ppt/slides/slide27.xml><?xml version="1.0" encoding="utf-8"?>
+<p:sld xmlns:a="http://schemas.openxmlformats.org/drawingml/2006/main" xmlns:r="http://schemas.openxmlformats.org/officeDocument/2006/relationships" xmlns:mc="http://schemas.openxmlformats.org/markup-compatibility/2006" xmlns:mv="urn:schemas-microsoft-com:mac:vml" xmlns:p="http://schemas.openxmlformats.org/presentationml/2006/main" xmlns:c="http://schemas.openxmlformats.org/drawingml/2006/chart" xmlns:dgm="http://schemas.openxmlformats.org/drawingml/2006/diagram" xmlns:o="urn:schemas-microsoft-com:office:office" xmlns:v="urn:schemas-microsoft-com:vml" xmlns:pvml="urn:schemas-microsoft-com:office:powerpoint" xmlns:com="http://schemas.openxmlformats.org/drawingml/2006/compatibility" xmlns:p14="http://schemas.microsoft.com/office/powerpoint/2010/main" xmlns:p15="http://schemas.microsoft.com/office/powerpoint/2012/main" xmlns:ahyp="http://schemas.microsoft.com/office/drawing/2018/hyperlinkcolor">
+  <p:cSld>
+    <p:spTree>
+      <p:nvGrpSpPr>
+        <p:cNvPr id="214" name="Shape 214"/>
+        <p:cNvGrpSpPr/>
+        <p:nvPr/>
+      </p:nvGrpSpPr>
+      <p:grpSpPr>
+        <a:xfrm>
+          <a:off x="0" y="0"/>
+          <a:ext cx="0" cy="0"/>
+          <a:chOff x="0" y="0"/>
+          <a:chExt cx="0" cy="0"/>
+        </a:xfrm>
+      </p:grpSpPr>
+      <p:sp>
+        <p:nvSpPr>
+          <p:cNvPr id="215" name="Google Shape;215;p39"/>
+          <p:cNvSpPr txBox="1"/>
+          <p:nvPr>
+            <p:ph type="title"/>
+          </p:nvPr>
+        </p:nvSpPr>
+        <p:spPr>
+          <a:xfrm>
+            <a:off x="311700" y="445025"/>
+            <a:ext cx="8520600" cy="613200"/>
+          </a:xfrm>
+          <a:prstGeom prst="rect">
+            <a:avLst/>
+          </a:prstGeom>
+        </p:spPr>
+        <p:txBody>
+          <a:bodyPr anchorCtr="0" anchor="t" bIns="91425" lIns="91425" spcFirstLastPara="1" rIns="91425" wrap="square" tIns="91425">
+            <a:normAutofit fontScale="90000"/>
+          </a:bodyPr>
+          <a:lstStyle/>
+          <a:p>
+            <a:pPr indent="0" lvl="0" marL="0" rtl="0" algn="l">
+              <a:spcBef>
+                <a:spcPts val="0"/>
+              </a:spcBef>
+              <a:spcAft>
+                <a:spcPts val="0"/>
+              </a:spcAft>
+              <a:buNone/>
+            </a:pPr>
+            <a:r>
+              <a:rPr lang="en"/>
+              <a:t>Dash App Deployment</a:t>
+            </a:r>
+            <a:endParaRPr/>
+          </a:p>
+        </p:txBody>
+      </p:sp>
+      <p:sp>
+        <p:nvSpPr>
+          <p:cNvPr id="216" name="Google Shape;216;p39"/>
+          <p:cNvSpPr txBox="1"/>
+          <p:nvPr>
+            <p:ph idx="1" type="body"/>
+          </p:nvPr>
+        </p:nvSpPr>
+        <p:spPr>
+          <a:xfrm>
+            <a:off x="311700" y="1171600"/>
+            <a:ext cx="8520600" cy="3397200"/>
+          </a:xfrm>
+          <a:prstGeom prst="rect">
+            <a:avLst/>
+          </a:prstGeom>
+        </p:spPr>
+        <p:txBody>
+          <a:bodyPr anchorCtr="0" anchor="t" bIns="91425" lIns="91425" spcFirstLastPara="1" rIns="91425" wrap="square" tIns="91425">
+            <a:normAutofit/>
+          </a:bodyPr>
+          <a:lstStyle/>
+          <a:p>
+            <a:pPr indent="0" lvl="0" marL="0" rtl="0" algn="l">
+              <a:spcBef>
+                <a:spcPts val="0"/>
+              </a:spcBef>
+              <a:spcAft>
+                <a:spcPts val="0"/>
+              </a:spcAft>
+              <a:buNone/>
+            </a:pPr>
+            <a:r>
+              <a:rPr lang="en"/>
+              <a:t> </a:t>
+            </a:r>
+            <a:endParaRPr/>
+          </a:p>
+          <a:p>
+            <a:pPr indent="0" lvl="0" marL="0" rtl="0" algn="l">
+              <a:spcBef>
+                <a:spcPts val="1200"/>
+              </a:spcBef>
+              <a:spcAft>
+                <a:spcPts val="0"/>
+              </a:spcAft>
+              <a:buNone/>
+            </a:pPr>
+            <a:r>
+              <a:rPr lang="en"/>
+              <a:t>Files needed for deployment:</a:t>
+            </a:r>
+            <a:endParaRPr/>
+          </a:p>
+          <a:p>
+            <a:pPr indent="-342900" lvl="0" marL="457200" rtl="0" algn="l">
+              <a:spcBef>
+                <a:spcPts val="1200"/>
+              </a:spcBef>
+              <a:spcAft>
+                <a:spcPts val="0"/>
+              </a:spcAft>
+              <a:buSzPts val="1800"/>
+              <a:buChar char="-"/>
+            </a:pPr>
+            <a:r>
+              <a:rPr lang="en"/>
+              <a:t>sample app (app.py) - Application code </a:t>
+            </a:r>
+            <a:endParaRPr/>
+          </a:p>
+          <a:p>
+            <a:pPr indent="-342900" lvl="0" marL="457200" rtl="0" algn="l">
+              <a:spcBef>
+                <a:spcPts val="0"/>
+              </a:spcBef>
+              <a:spcAft>
+                <a:spcPts val="0"/>
+              </a:spcAft>
+              <a:buSzPts val="1800"/>
+              <a:buChar char="-"/>
+            </a:pPr>
+            <a:r>
+              <a:rPr lang="en"/>
+              <a:t>.gitignore file - </a:t>
+            </a:r>
+            <a:r>
+              <a:rPr lang="en">
+                <a:solidFill>
+                  <a:srgbClr val="202124"/>
+                </a:solidFill>
+              </a:rPr>
+              <a:t>The . gitignore file tells Git which files to ignore when committing your project to the GitHub repository. gitignore is located in the root directory of your repo.</a:t>
+            </a:r>
+            <a:endParaRPr/>
+          </a:p>
+          <a:p>
+            <a:pPr indent="-342900" lvl="0" marL="457200" rtl="0" algn="l">
+              <a:spcBef>
+                <a:spcPts val="0"/>
+              </a:spcBef>
+              <a:spcAft>
+                <a:spcPts val="0"/>
+              </a:spcAft>
+              <a:buSzPts val="1800"/>
+              <a:buChar char="-"/>
+            </a:pPr>
+            <a:r>
+              <a:rPr lang="en"/>
+              <a:t>requirements.txt - describes your Python dependencies.</a:t>
+            </a:r>
+            <a:endParaRPr/>
+          </a:p>
+          <a:p>
+            <a:pPr indent="-342900" lvl="0" marL="457200" rtl="0" algn="l">
+              <a:spcBef>
+                <a:spcPts val="0"/>
+              </a:spcBef>
+              <a:spcAft>
+                <a:spcPts val="0"/>
+              </a:spcAft>
+              <a:buSzPts val="1800"/>
+              <a:buChar char="-"/>
+            </a:pPr>
+            <a:r>
+              <a:rPr lang="en"/>
+              <a:t>Procfile - specifies the commands that are executed by the app on startup</a:t>
+            </a:r>
+            <a:endParaRPr/>
+          </a:p>
+        </p:txBody>
+      </p:sp>
+    </p:spTree>
+  </p:cSld>
+  <p:clrMapOvr>
+    <a:masterClrMapping/>
+  </p:clrMapOvr>
+</p:sld>
+</file>
+
+<file path=ppt/slides/slide28.xml><?xml version="1.0" encoding="utf-8"?>
+<p:sld xmlns:a="http://schemas.openxmlformats.org/drawingml/2006/main" xmlns:r="http://schemas.openxmlformats.org/officeDocument/2006/relationships" xmlns:mc="http://schemas.openxmlformats.org/markup-compatibility/2006" xmlns:mv="urn:schemas-microsoft-com:mac:vml" xmlns:p="http://schemas.openxmlformats.org/presentationml/2006/main" xmlns:c="http://schemas.openxmlformats.org/drawingml/2006/chart" xmlns:dgm="http://schemas.openxmlformats.org/drawingml/2006/diagram" xmlns:o="urn:schemas-microsoft-com:office:office" xmlns:v="urn:schemas-microsoft-com:vml" xmlns:pvml="urn:schemas-microsoft-com:office:powerpoint" xmlns:com="http://schemas.openxmlformats.org/drawingml/2006/compatibility" xmlns:p14="http://schemas.microsoft.com/office/powerpoint/2010/main" xmlns:p15="http://schemas.microsoft.com/office/powerpoint/2012/main" xmlns:ahyp="http://schemas.microsoft.com/office/drawing/2018/hyperlinkcolor">
+  <p:cSld>
+    <p:spTree>
+      <p:nvGrpSpPr>
+        <p:cNvPr id="220" name="Shape 220"/>
+        <p:cNvGrpSpPr/>
+        <p:nvPr/>
+      </p:nvGrpSpPr>
+      <p:grpSpPr>
+        <a:xfrm>
+          <a:off x="0" y="0"/>
+          <a:ext cx="0" cy="0"/>
+          <a:chOff x="0" y="0"/>
+          <a:chExt cx="0" cy="0"/>
+        </a:xfrm>
+      </p:grpSpPr>
+      <p:sp>
+        <p:nvSpPr>
+          <p:cNvPr id="221" name="Google Shape;221;p40"/>
+          <p:cNvSpPr txBox="1"/>
+          <p:nvPr>
+            <p:ph type="title"/>
+          </p:nvPr>
+        </p:nvSpPr>
+        <p:spPr>
+          <a:xfrm>
+            <a:off x="311700" y="445025"/>
+            <a:ext cx="8520600" cy="613200"/>
+          </a:xfrm>
+          <a:prstGeom prst="rect">
+            <a:avLst/>
+          </a:prstGeom>
+        </p:spPr>
+        <p:txBody>
+          <a:bodyPr anchorCtr="0" anchor="t" bIns="91425" lIns="91425" spcFirstLastPara="1" rIns="91425" wrap="square" tIns="91425">
+            <a:normAutofit fontScale="90000"/>
+          </a:bodyPr>
+          <a:lstStyle/>
+          <a:p>
+            <a:pPr indent="0" lvl="0" marL="0" rtl="0" algn="l">
+              <a:spcBef>
+                <a:spcPts val="0"/>
+              </a:spcBef>
+              <a:spcAft>
+                <a:spcPts val="0"/>
+              </a:spcAft>
+              <a:buNone/>
+            </a:pPr>
+            <a:r>
+              <a:rPr lang="en"/>
+              <a:t>Procfile</a:t>
+            </a:r>
+            <a:endParaRPr/>
+          </a:p>
+        </p:txBody>
+      </p:sp>
+      <p:sp>
+        <p:nvSpPr>
+          <p:cNvPr id="222" name="Google Shape;222;p40"/>
+          <p:cNvSpPr txBox="1"/>
+          <p:nvPr>
+            <p:ph idx="1" type="body"/>
+          </p:nvPr>
+        </p:nvSpPr>
+        <p:spPr>
+          <a:xfrm>
+            <a:off x="311700" y="1171600"/>
+            <a:ext cx="8520600" cy="3397200"/>
+          </a:xfrm>
+          <a:prstGeom prst="rect">
+            <a:avLst/>
+          </a:prstGeom>
+        </p:spPr>
+        <p:txBody>
+          <a:bodyPr anchorCtr="0" anchor="t" bIns="91425" lIns="91425" spcFirstLastPara="1" rIns="91425" wrap="square" tIns="91425">
+            <a:normAutofit/>
+          </a:bodyPr>
+          <a:lstStyle/>
+          <a:p>
+            <a:pPr indent="-342900" lvl="0" marL="457200" rtl="0" algn="l">
+              <a:spcBef>
+                <a:spcPts val="3300"/>
+              </a:spcBef>
+              <a:spcAft>
+                <a:spcPts val="0"/>
+              </a:spcAft>
+              <a:buSzPts val="1800"/>
+              <a:buChar char="-"/>
+            </a:pPr>
+            <a:r>
+              <a:rPr lang="en"/>
+              <a:t>Your app’s web server</a:t>
+            </a:r>
+            <a:endParaRPr/>
+          </a:p>
+          <a:p>
+            <a:pPr indent="-342900" lvl="0" marL="457200" rtl="0" algn="l">
+              <a:spcBef>
+                <a:spcPts val="0"/>
+              </a:spcBef>
+              <a:spcAft>
+                <a:spcPts val="0"/>
+              </a:spcAft>
+              <a:buSzPts val="1800"/>
+              <a:buChar char="-"/>
+            </a:pPr>
+            <a:r>
+              <a:rPr lang="en"/>
+              <a:t>Multiple types of worker processes</a:t>
+            </a:r>
+            <a:endParaRPr/>
+          </a:p>
+          <a:p>
+            <a:pPr indent="-342900" lvl="0" marL="457200" rtl="0" algn="l">
+              <a:spcBef>
+                <a:spcPts val="0"/>
+              </a:spcBef>
+              <a:spcAft>
+                <a:spcPts val="0"/>
+              </a:spcAft>
+              <a:buSzPts val="1800"/>
+              <a:buChar char="-"/>
+            </a:pPr>
+            <a:r>
+              <a:rPr lang="en"/>
+              <a:t>A singleton process, such as a </a:t>
+            </a:r>
+            <a:r>
+              <a:rPr lang="en">
+                <a:uFill>
+                  <a:noFill/>
+                </a:uFill>
+                <a:hlinkClick r:id="rId3"/>
+              </a:rPr>
+              <a:t>clock</a:t>
+            </a:r>
+            <a:endParaRPr/>
+          </a:p>
+          <a:p>
+            <a:pPr indent="-342900" lvl="0" marL="457200" rtl="0" algn="l">
+              <a:spcBef>
+                <a:spcPts val="0"/>
+              </a:spcBef>
+              <a:spcAft>
+                <a:spcPts val="0"/>
+              </a:spcAft>
+              <a:buSzPts val="1800"/>
+              <a:buChar char="-"/>
+            </a:pPr>
+            <a:r>
+              <a:rPr lang="en"/>
+              <a:t>Tasks to run </a:t>
+            </a:r>
+            <a:r>
+              <a:rPr lang="en">
+                <a:uFill>
+                  <a:noFill/>
+                </a:uFill>
+                <a:hlinkClick r:id="rId4"/>
+              </a:rPr>
+              <a:t>before a new release is deployed</a:t>
+            </a:r>
+            <a:endParaRPr/>
+          </a:p>
+          <a:p>
+            <a:pPr indent="0" lvl="0" marL="0" rtl="0" algn="l">
+              <a:spcBef>
+                <a:spcPts val="3300"/>
+              </a:spcBef>
+              <a:spcAft>
+                <a:spcPts val="1200"/>
+              </a:spcAft>
               <a:buNone/>
             </a:pPr>
             <a:r>
@@ -12268,7 +13368,7 @@
             </a:pPr>
             <a:r>
               <a:rPr lang="en"/>
-              <a:t>psutils</a:t>
+              <a:t>psutil</a:t>
             </a:r>
             <a:endParaRPr/>
           </a:p>
